--- a/Fasty.pptx
+++ b/Fasty.pptx
@@ -110,6 +110,11 @@
       </a:defRPr>
     </a:lvl9pPr>
   </p:defaultTextStyle>
+  <p:extLst>
+    <p:ext uri="{EFAFB233-063F-42B5-8137-9DF3F51BA10A}">
+      <p15:sldGuideLst xmlns:p15="http://schemas.microsoft.com/office/powerpoint/2012/main"/>
+    </p:ext>
+  </p:extLst>
 </p:presentation>
 </file>
 
@@ -691,7 +696,7 @@
           </a:lstStyle>
           <a:p>
             <a:r>
-              <a:rPr lang="ro-RO" smtClean="0"/>
+              <a:rPr lang="ro-RO"/>
               <a:t>Clic pentru editare stil titlu</a:t>
             </a:r>
             <a:endParaRPr lang="en-US" dirty="0"/>
@@ -811,7 +816,7 @@
           </a:lstStyle>
           <a:p>
             <a:r>
-              <a:rPr lang="ro-RO" smtClean="0"/>
+              <a:rPr lang="ro-RO"/>
               <a:t>Clic pentru a edita stilul de subtitlu</a:t>
             </a:r>
             <a:endParaRPr lang="en-US" dirty="0"/>
@@ -835,7 +840,7 @@
           <a:p>
             <a:fld id="{3E24DBBD-9242-4357-A561-20355844280C}" type="datetimeFigureOut">
               <a:rPr lang="ro-RO" smtClean="0"/>
-              <a:t>21.12.2016</a:t>
+              <a:t>17.01.2017</a:t>
             </a:fld>
             <a:endParaRPr lang="ro-RO"/>
           </a:p>
@@ -940,7 +945,7 @@
           </a:lstStyle>
           <a:p>
             <a:r>
-              <a:rPr lang="ro-RO" smtClean="0"/>
+              <a:rPr lang="ro-RO"/>
               <a:t>Clic pentru editare stil titlu</a:t>
             </a:r>
             <a:endParaRPr lang="en-US" dirty="0"/>
@@ -1063,7 +1068,7 @@
           <a:p>
             <a:pPr lvl="0"/>
             <a:r>
-              <a:rPr lang="ro-RO" smtClean="0"/>
+              <a:rPr lang="ro-RO"/>
               <a:t>Clic pentru editare stiluri text Coordonator</a:t>
             </a:r>
           </a:p>
@@ -1086,7 +1091,7 @@
           <a:p>
             <a:fld id="{3E24DBBD-9242-4357-A561-20355844280C}" type="datetimeFigureOut">
               <a:rPr lang="ro-RO" smtClean="0"/>
-              <a:t>21.12.2016</a:t>
+              <a:t>17.01.2017</a:t>
             </a:fld>
             <a:endParaRPr lang="ro-RO"/>
           </a:p>
@@ -1191,7 +1196,7 @@
           </a:lstStyle>
           <a:p>
             <a:r>
-              <a:rPr lang="ro-RO" smtClean="0"/>
+              <a:rPr lang="ro-RO"/>
               <a:t>Clic pentru editare stil titlu</a:t>
             </a:r>
             <a:endParaRPr lang="en-US" dirty="0"/>
@@ -1255,7 +1260,7 @@
           <a:p>
             <a:pPr lvl="0"/>
             <a:r>
-              <a:rPr lang="ro-RO" smtClean="0"/>
+              <a:rPr lang="ro-RO"/>
               <a:t>Clic pentru editare stiluri text Coordonator</a:t>
             </a:r>
           </a:p>
@@ -1377,7 +1382,7 @@
           <a:p>
             <a:pPr lvl="0"/>
             <a:r>
-              <a:rPr lang="ro-RO" smtClean="0"/>
+              <a:rPr lang="ro-RO"/>
               <a:t>Clic pentru editare stiluri text Coordonator</a:t>
             </a:r>
           </a:p>
@@ -1400,7 +1405,7 @@
           <a:p>
             <a:fld id="{3E24DBBD-9242-4357-A561-20355844280C}" type="datetimeFigureOut">
               <a:rPr lang="ro-RO" smtClean="0"/>
-              <a:t>21.12.2016</a:t>
+              <a:t>17.01.2017</a:t>
             </a:fld>
             <a:endParaRPr lang="ro-RO"/>
           </a:p>
@@ -1595,7 +1600,7 @@
           </a:lstStyle>
           <a:p>
             <a:r>
-              <a:rPr lang="ro-RO" smtClean="0"/>
+              <a:rPr lang="ro-RO"/>
               <a:t>Clic pentru editare stil titlu</a:t>
             </a:r>
             <a:endParaRPr lang="en-US" dirty="0"/>
@@ -1718,7 +1723,7 @@
           <a:p>
             <a:pPr lvl="0"/>
             <a:r>
-              <a:rPr lang="ro-RO" smtClean="0"/>
+              <a:rPr lang="ro-RO"/>
               <a:t>Clic pentru editare stiluri text Coordonator</a:t>
             </a:r>
           </a:p>
@@ -1741,7 +1746,7 @@
           <a:p>
             <a:fld id="{3E24DBBD-9242-4357-A561-20355844280C}" type="datetimeFigureOut">
               <a:rPr lang="ro-RO" smtClean="0"/>
-              <a:t>21.12.2016</a:t>
+              <a:t>17.01.2017</a:t>
             </a:fld>
             <a:endParaRPr lang="ro-RO"/>
           </a:p>
@@ -1846,7 +1851,7 @@
           </a:lstStyle>
           <a:p>
             <a:r>
-              <a:rPr lang="ro-RO" smtClean="0"/>
+              <a:rPr lang="ro-RO"/>
               <a:t>Clic pentru editare stil titlu</a:t>
             </a:r>
             <a:endParaRPr lang="en-US" dirty="0"/>
@@ -1910,7 +1915,7 @@
           <a:p>
             <a:pPr lvl="0"/>
             <a:r>
-              <a:rPr lang="ro-RO" smtClean="0"/>
+              <a:rPr lang="ro-RO"/>
               <a:t>Clic pentru editare stiluri text Coordonator</a:t>
             </a:r>
           </a:p>
@@ -2032,7 +2037,7 @@
           <a:p>
             <a:pPr lvl="0"/>
             <a:r>
-              <a:rPr lang="ro-RO" smtClean="0"/>
+              <a:rPr lang="ro-RO"/>
               <a:t>Clic pentru editare stiluri text Coordonator</a:t>
             </a:r>
           </a:p>
@@ -2055,7 +2060,7 @@
           <a:p>
             <a:fld id="{3E24DBBD-9242-4357-A561-20355844280C}" type="datetimeFigureOut">
               <a:rPr lang="ro-RO" smtClean="0"/>
-              <a:t>21.12.2016</a:t>
+              <a:t>17.01.2017</a:t>
             </a:fld>
             <a:endParaRPr lang="ro-RO"/>
           </a:p>
@@ -2242,7 +2247,7 @@
           </a:lstStyle>
           <a:p>
             <a:r>
-              <a:rPr lang="ro-RO" smtClean="0"/>
+              <a:rPr lang="ro-RO"/>
               <a:t>Clic pentru editare stil titlu</a:t>
             </a:r>
             <a:endParaRPr lang="en-US" dirty="0"/>
@@ -2303,7 +2308,7 @@
           <a:p>
             <a:pPr lvl="0"/>
             <a:r>
-              <a:rPr lang="ro-RO" smtClean="0"/>
+              <a:rPr lang="ro-RO"/>
               <a:t>Clic pentru editare stiluri text Coordonator</a:t>
             </a:r>
           </a:p>
@@ -2425,7 +2430,7 @@
           <a:p>
             <a:pPr lvl="0"/>
             <a:r>
-              <a:rPr lang="ro-RO" smtClean="0"/>
+              <a:rPr lang="ro-RO"/>
               <a:t>Clic pentru editare stiluri text Coordonator</a:t>
             </a:r>
           </a:p>
@@ -2448,7 +2453,7 @@
           <a:p>
             <a:fld id="{3E24DBBD-9242-4357-A561-20355844280C}" type="datetimeFigureOut">
               <a:rPr lang="ro-RO" smtClean="0"/>
-              <a:t>21.12.2016</a:t>
+              <a:t>17.01.2017</a:t>
             </a:fld>
             <a:endParaRPr lang="ro-RO"/>
           </a:p>
@@ -2542,7 +2547,7 @@
           <a:lstStyle/>
           <a:p>
             <a:r>
-              <a:rPr lang="ro-RO" smtClean="0"/>
+              <a:rPr lang="ro-RO"/>
               <a:t>Clic pentru editare stil titlu</a:t>
             </a:r>
             <a:endParaRPr lang="en-US" dirty="0"/>
@@ -2566,35 +2571,35 @@
           <a:p>
             <a:pPr lvl="0"/>
             <a:r>
-              <a:rPr lang="ro-RO" smtClean="0"/>
+              <a:rPr lang="ro-RO"/>
               <a:t>Clic pentru editare stiluri text Coordonator</a:t>
             </a:r>
           </a:p>
           <a:p>
             <a:pPr lvl="1"/>
             <a:r>
-              <a:rPr lang="ro-RO" smtClean="0"/>
+              <a:rPr lang="ro-RO"/>
               <a:t>Al doilea nivel</a:t>
             </a:r>
           </a:p>
           <a:p>
             <a:pPr lvl="2"/>
             <a:r>
-              <a:rPr lang="ro-RO" smtClean="0"/>
+              <a:rPr lang="ro-RO"/>
               <a:t>Al treilea nivel</a:t>
             </a:r>
           </a:p>
           <a:p>
             <a:pPr lvl="3"/>
             <a:r>
-              <a:rPr lang="ro-RO" smtClean="0"/>
+              <a:rPr lang="ro-RO"/>
               <a:t>Al patrulea nivel</a:t>
             </a:r>
           </a:p>
           <a:p>
             <a:pPr lvl="4"/>
             <a:r>
-              <a:rPr lang="ro-RO" smtClean="0"/>
+              <a:rPr lang="ro-RO"/>
               <a:t>Al cincilea nivel</a:t>
             </a:r>
             <a:endParaRPr lang="en-US" dirty="0"/>
@@ -2618,7 +2623,7 @@
           <a:p>
             <a:fld id="{3E24DBBD-9242-4357-A561-20355844280C}" type="datetimeFigureOut">
               <a:rPr lang="ro-RO" smtClean="0"/>
-              <a:t>21.12.2016</a:t>
+              <a:t>17.01.2017</a:t>
             </a:fld>
             <a:endParaRPr lang="ro-RO"/>
           </a:p>
@@ -2717,7 +2722,7 @@
           <a:lstStyle/>
           <a:p>
             <a:r>
-              <a:rPr lang="ro-RO" smtClean="0"/>
+              <a:rPr lang="ro-RO"/>
               <a:t>Clic pentru editare stil titlu</a:t>
             </a:r>
             <a:endParaRPr lang="en-US" dirty="0"/>
@@ -2746,35 +2751,35 @@
           <a:p>
             <a:pPr lvl="0"/>
             <a:r>
-              <a:rPr lang="ro-RO" smtClean="0"/>
+              <a:rPr lang="ro-RO"/>
               <a:t>Clic pentru editare stiluri text Coordonator</a:t>
             </a:r>
           </a:p>
           <a:p>
             <a:pPr lvl="1"/>
             <a:r>
-              <a:rPr lang="ro-RO" smtClean="0"/>
+              <a:rPr lang="ro-RO"/>
               <a:t>Al doilea nivel</a:t>
             </a:r>
           </a:p>
           <a:p>
             <a:pPr lvl="2"/>
             <a:r>
-              <a:rPr lang="ro-RO" smtClean="0"/>
+              <a:rPr lang="ro-RO"/>
               <a:t>Al treilea nivel</a:t>
             </a:r>
           </a:p>
           <a:p>
             <a:pPr lvl="3"/>
             <a:r>
-              <a:rPr lang="ro-RO" smtClean="0"/>
+              <a:rPr lang="ro-RO"/>
               <a:t>Al patrulea nivel</a:t>
             </a:r>
           </a:p>
           <a:p>
             <a:pPr lvl="4"/>
             <a:r>
-              <a:rPr lang="ro-RO" smtClean="0"/>
+              <a:rPr lang="ro-RO"/>
               <a:t>Al cincilea nivel</a:t>
             </a:r>
             <a:endParaRPr lang="en-US" dirty="0"/>
@@ -2798,7 +2803,7 @@
           <a:p>
             <a:fld id="{3E24DBBD-9242-4357-A561-20355844280C}" type="datetimeFigureOut">
               <a:rPr lang="ro-RO" smtClean="0"/>
-              <a:t>21.12.2016</a:t>
+              <a:t>17.01.2017</a:t>
             </a:fld>
             <a:endParaRPr lang="ro-RO"/>
           </a:p>
@@ -2898,7 +2903,7 @@
           </a:lstStyle>
           <a:p>
             <a:r>
-              <a:rPr lang="ro-RO" smtClean="0"/>
+              <a:rPr lang="ro-RO"/>
               <a:t>Clic pentru editare stil titlu</a:t>
             </a:r>
             <a:endParaRPr lang="en-US" dirty="0"/>
@@ -2922,35 +2927,35 @@
           <a:p>
             <a:pPr lvl="0"/>
             <a:r>
-              <a:rPr lang="ro-RO" smtClean="0"/>
+              <a:rPr lang="ro-RO"/>
               <a:t>Clic pentru editare stiluri text Coordonator</a:t>
             </a:r>
           </a:p>
           <a:p>
             <a:pPr lvl="1"/>
             <a:r>
-              <a:rPr lang="ro-RO" smtClean="0"/>
+              <a:rPr lang="ro-RO"/>
               <a:t>Al doilea nivel</a:t>
             </a:r>
           </a:p>
           <a:p>
             <a:pPr lvl="2"/>
             <a:r>
-              <a:rPr lang="ro-RO" smtClean="0"/>
+              <a:rPr lang="ro-RO"/>
               <a:t>Al treilea nivel</a:t>
             </a:r>
           </a:p>
           <a:p>
             <a:pPr lvl="3"/>
             <a:r>
-              <a:rPr lang="ro-RO" smtClean="0"/>
+              <a:rPr lang="ro-RO"/>
               <a:t>Al patrulea nivel</a:t>
             </a:r>
           </a:p>
           <a:p>
             <a:pPr lvl="4"/>
             <a:r>
-              <a:rPr lang="ro-RO" smtClean="0"/>
+              <a:rPr lang="ro-RO"/>
               <a:t>Al cincilea nivel</a:t>
             </a:r>
             <a:endParaRPr lang="en-US" dirty="0"/>
@@ -2974,7 +2979,7 @@
           <a:p>
             <a:fld id="{3E24DBBD-9242-4357-A561-20355844280C}" type="datetimeFigureOut">
               <a:rPr lang="ro-RO" smtClean="0"/>
-              <a:t>21.12.2016</a:t>
+              <a:t>17.01.2017</a:t>
             </a:fld>
             <a:endParaRPr lang="ro-RO"/>
           </a:p>
@@ -3077,7 +3082,7 @@
           </a:lstStyle>
           <a:p>
             <a:r>
-              <a:rPr lang="ro-RO" smtClean="0"/>
+              <a:rPr lang="ro-RO"/>
               <a:t>Clic pentru editare stil titlu</a:t>
             </a:r>
             <a:endParaRPr lang="en-US" dirty="0"/>
@@ -3198,7 +3203,7 @@
           <a:p>
             <a:pPr lvl="0"/>
             <a:r>
-              <a:rPr lang="ro-RO" smtClean="0"/>
+              <a:rPr lang="ro-RO"/>
               <a:t>Clic pentru editare stiluri text Coordonator</a:t>
             </a:r>
           </a:p>
@@ -3221,7 +3226,7 @@
           <a:p>
             <a:fld id="{3E24DBBD-9242-4357-A561-20355844280C}" type="datetimeFigureOut">
               <a:rPr lang="ro-RO" smtClean="0"/>
-              <a:t>21.12.2016</a:t>
+              <a:t>17.01.2017</a:t>
             </a:fld>
             <a:endParaRPr lang="ro-RO"/>
           </a:p>
@@ -3315,7 +3320,7 @@
           <a:lstStyle/>
           <a:p>
             <a:r>
-              <a:rPr lang="ro-RO" smtClean="0"/>
+              <a:rPr lang="ro-RO"/>
               <a:t>Clic pentru editare stil titlu</a:t>
             </a:r>
             <a:endParaRPr lang="en-US" dirty="0"/>
@@ -3344,35 +3349,35 @@
           <a:p>
             <a:pPr lvl="0"/>
             <a:r>
-              <a:rPr lang="ro-RO" smtClean="0"/>
+              <a:rPr lang="ro-RO"/>
               <a:t>Clic pentru editare stiluri text Coordonator</a:t>
             </a:r>
           </a:p>
           <a:p>
             <a:pPr lvl="1"/>
             <a:r>
-              <a:rPr lang="ro-RO" smtClean="0"/>
+              <a:rPr lang="ro-RO"/>
               <a:t>Al doilea nivel</a:t>
             </a:r>
           </a:p>
           <a:p>
             <a:pPr lvl="2"/>
             <a:r>
-              <a:rPr lang="ro-RO" smtClean="0"/>
+              <a:rPr lang="ro-RO"/>
               <a:t>Al treilea nivel</a:t>
             </a:r>
           </a:p>
           <a:p>
             <a:pPr lvl="3"/>
             <a:r>
-              <a:rPr lang="ro-RO" smtClean="0"/>
+              <a:rPr lang="ro-RO"/>
               <a:t>Al patrulea nivel</a:t>
             </a:r>
           </a:p>
           <a:p>
             <a:pPr lvl="4"/>
             <a:r>
-              <a:rPr lang="ro-RO" smtClean="0"/>
+              <a:rPr lang="ro-RO"/>
               <a:t>Al cincilea nivel</a:t>
             </a:r>
             <a:endParaRPr lang="en-US" dirty="0"/>
@@ -3401,35 +3406,35 @@
           <a:p>
             <a:pPr lvl="0"/>
             <a:r>
-              <a:rPr lang="ro-RO" smtClean="0"/>
+              <a:rPr lang="ro-RO"/>
               <a:t>Clic pentru editare stiluri text Coordonator</a:t>
             </a:r>
           </a:p>
           <a:p>
             <a:pPr lvl="1"/>
             <a:r>
-              <a:rPr lang="ro-RO" smtClean="0"/>
+              <a:rPr lang="ro-RO"/>
               <a:t>Al doilea nivel</a:t>
             </a:r>
           </a:p>
           <a:p>
             <a:pPr lvl="2"/>
             <a:r>
-              <a:rPr lang="ro-RO" smtClean="0"/>
+              <a:rPr lang="ro-RO"/>
               <a:t>Al treilea nivel</a:t>
             </a:r>
           </a:p>
           <a:p>
             <a:pPr lvl="3"/>
             <a:r>
-              <a:rPr lang="ro-RO" smtClean="0"/>
+              <a:rPr lang="ro-RO"/>
               <a:t>Al patrulea nivel</a:t>
             </a:r>
           </a:p>
           <a:p>
             <a:pPr lvl="4"/>
             <a:r>
-              <a:rPr lang="ro-RO" smtClean="0"/>
+              <a:rPr lang="ro-RO"/>
               <a:t>Al cincilea nivel</a:t>
             </a:r>
             <a:endParaRPr lang="en-US" dirty="0"/>
@@ -3453,7 +3458,7 @@
           <a:p>
             <a:fld id="{3E24DBBD-9242-4357-A561-20355844280C}" type="datetimeFigureOut">
               <a:rPr lang="ro-RO" smtClean="0"/>
-              <a:t>21.12.2016</a:t>
+              <a:t>17.01.2017</a:t>
             </a:fld>
             <a:endParaRPr lang="ro-RO"/>
           </a:p>
@@ -3551,7 +3556,7 @@
           </a:lstStyle>
           <a:p>
             <a:r>
-              <a:rPr lang="ro-RO" smtClean="0"/>
+              <a:rPr lang="ro-RO"/>
               <a:t>Clic pentru editare stil titlu</a:t>
             </a:r>
             <a:endParaRPr lang="en-US" dirty="0"/>
@@ -3619,7 +3624,7 @@
           <a:p>
             <a:pPr lvl="0"/>
             <a:r>
-              <a:rPr lang="ro-RO" smtClean="0"/>
+              <a:rPr lang="ro-RO"/>
               <a:t>Clic pentru editare stiluri text Coordonator</a:t>
             </a:r>
           </a:p>
@@ -3649,35 +3654,35 @@
           <a:p>
             <a:pPr lvl="0"/>
             <a:r>
-              <a:rPr lang="ro-RO" smtClean="0"/>
+              <a:rPr lang="ro-RO"/>
               <a:t>Clic pentru editare stiluri text Coordonator</a:t>
             </a:r>
           </a:p>
           <a:p>
             <a:pPr lvl="1"/>
             <a:r>
-              <a:rPr lang="ro-RO" smtClean="0"/>
+              <a:rPr lang="ro-RO"/>
               <a:t>Al doilea nivel</a:t>
             </a:r>
           </a:p>
           <a:p>
             <a:pPr lvl="2"/>
             <a:r>
-              <a:rPr lang="ro-RO" smtClean="0"/>
+              <a:rPr lang="ro-RO"/>
               <a:t>Al treilea nivel</a:t>
             </a:r>
           </a:p>
           <a:p>
             <a:pPr lvl="3"/>
             <a:r>
-              <a:rPr lang="ro-RO" smtClean="0"/>
+              <a:rPr lang="ro-RO"/>
               <a:t>Al patrulea nivel</a:t>
             </a:r>
           </a:p>
           <a:p>
             <a:pPr lvl="4"/>
             <a:r>
-              <a:rPr lang="ro-RO" smtClean="0"/>
+              <a:rPr lang="ro-RO"/>
               <a:t>Al cincilea nivel</a:t>
             </a:r>
             <a:endParaRPr lang="en-US" dirty="0"/>
@@ -3745,7 +3750,7 @@
           <a:p>
             <a:pPr lvl="0"/>
             <a:r>
-              <a:rPr lang="ro-RO" smtClean="0"/>
+              <a:rPr lang="ro-RO"/>
               <a:t>Clic pentru editare stiluri text Coordonator</a:t>
             </a:r>
           </a:p>
@@ -3775,35 +3780,35 @@
           <a:p>
             <a:pPr lvl="0"/>
             <a:r>
-              <a:rPr lang="ro-RO" smtClean="0"/>
+              <a:rPr lang="ro-RO"/>
               <a:t>Clic pentru editare stiluri text Coordonator</a:t>
             </a:r>
           </a:p>
           <a:p>
             <a:pPr lvl="1"/>
             <a:r>
-              <a:rPr lang="ro-RO" smtClean="0"/>
+              <a:rPr lang="ro-RO"/>
               <a:t>Al doilea nivel</a:t>
             </a:r>
           </a:p>
           <a:p>
             <a:pPr lvl="2"/>
             <a:r>
-              <a:rPr lang="ro-RO" smtClean="0"/>
+              <a:rPr lang="ro-RO"/>
               <a:t>Al treilea nivel</a:t>
             </a:r>
           </a:p>
           <a:p>
             <a:pPr lvl="3"/>
             <a:r>
-              <a:rPr lang="ro-RO" smtClean="0"/>
+              <a:rPr lang="ro-RO"/>
               <a:t>Al patrulea nivel</a:t>
             </a:r>
           </a:p>
           <a:p>
             <a:pPr lvl="4"/>
             <a:r>
-              <a:rPr lang="ro-RO" smtClean="0"/>
+              <a:rPr lang="ro-RO"/>
               <a:t>Al cincilea nivel</a:t>
             </a:r>
             <a:endParaRPr lang="en-US" dirty="0"/>
@@ -3827,7 +3832,7 @@
           <a:p>
             <a:fld id="{3E24DBBD-9242-4357-A561-20355844280C}" type="datetimeFigureOut">
               <a:rPr lang="ro-RO" smtClean="0"/>
-              <a:t>21.12.2016</a:t>
+              <a:t>17.01.2017</a:t>
             </a:fld>
             <a:endParaRPr lang="ro-RO"/>
           </a:p>
@@ -3926,7 +3931,7 @@
           <a:lstStyle/>
           <a:p>
             <a:r>
-              <a:rPr lang="ro-RO" smtClean="0"/>
+              <a:rPr lang="ro-RO"/>
               <a:t>Clic pentru editare stil titlu</a:t>
             </a:r>
             <a:endParaRPr lang="en-US" dirty="0"/>
@@ -3950,7 +3955,7 @@
           <a:p>
             <a:fld id="{3E24DBBD-9242-4357-A561-20355844280C}" type="datetimeFigureOut">
               <a:rPr lang="ro-RO" smtClean="0"/>
-              <a:t>21.12.2016</a:t>
+              <a:t>17.01.2017</a:t>
             </a:fld>
             <a:endParaRPr lang="ro-RO"/>
           </a:p>
@@ -4045,7 +4050,7 @@
           <a:p>
             <a:fld id="{3E24DBBD-9242-4357-A561-20355844280C}" type="datetimeFigureOut">
               <a:rPr lang="ro-RO" smtClean="0"/>
-              <a:t>21.12.2016</a:t>
+              <a:t>17.01.2017</a:t>
             </a:fld>
             <a:endParaRPr lang="ro-RO"/>
           </a:p>
@@ -4150,7 +4155,7 @@
           </a:lstStyle>
           <a:p>
             <a:r>
-              <a:rPr lang="ro-RO" smtClean="0"/>
+              <a:rPr lang="ro-RO"/>
               <a:t>Clic pentru editare stil titlu</a:t>
             </a:r>
             <a:endParaRPr lang="en-US" dirty="0"/>
@@ -4181,35 +4186,35 @@
           <a:p>
             <a:pPr lvl="0"/>
             <a:r>
-              <a:rPr lang="ro-RO" smtClean="0"/>
+              <a:rPr lang="ro-RO"/>
               <a:t>Clic pentru editare stiluri text Coordonator</a:t>
             </a:r>
           </a:p>
           <a:p>
             <a:pPr lvl="1"/>
             <a:r>
-              <a:rPr lang="ro-RO" smtClean="0"/>
+              <a:rPr lang="ro-RO"/>
               <a:t>Al doilea nivel</a:t>
             </a:r>
           </a:p>
           <a:p>
             <a:pPr lvl="2"/>
             <a:r>
-              <a:rPr lang="ro-RO" smtClean="0"/>
+              <a:rPr lang="ro-RO"/>
               <a:t>Al treilea nivel</a:t>
             </a:r>
           </a:p>
           <a:p>
             <a:pPr lvl="3"/>
             <a:r>
-              <a:rPr lang="ro-RO" smtClean="0"/>
+              <a:rPr lang="ro-RO"/>
               <a:t>Al patrulea nivel</a:t>
             </a:r>
           </a:p>
           <a:p>
             <a:pPr lvl="4"/>
             <a:r>
-              <a:rPr lang="ro-RO" smtClean="0"/>
+              <a:rPr lang="ro-RO"/>
               <a:t>Al cincilea nivel</a:t>
             </a:r>
             <a:endParaRPr lang="en-US" dirty="0"/>
@@ -4277,7 +4282,7 @@
           <a:p>
             <a:pPr lvl="0"/>
             <a:r>
-              <a:rPr lang="ro-RO" smtClean="0"/>
+              <a:rPr lang="ro-RO"/>
               <a:t>Clic pentru editare stiluri text Coordonator</a:t>
             </a:r>
           </a:p>
@@ -4300,7 +4305,7 @@
           <a:p>
             <a:fld id="{3E24DBBD-9242-4357-A561-20355844280C}" type="datetimeFigureOut">
               <a:rPr lang="ro-RO" smtClean="0"/>
-              <a:t>21.12.2016</a:t>
+              <a:t>17.01.2017</a:t>
             </a:fld>
             <a:endParaRPr lang="ro-RO"/>
           </a:p>
@@ -4405,7 +4410,7 @@
           </a:lstStyle>
           <a:p>
             <a:r>
-              <a:rPr lang="ro-RO" smtClean="0"/>
+              <a:rPr lang="ro-RO"/>
               <a:t>Clic pentru editare stil titlu</a:t>
             </a:r>
             <a:endParaRPr lang="en-US" dirty="0"/>
@@ -4472,7 +4477,7 @@
           </a:lstStyle>
           <a:p>
             <a:r>
-              <a:rPr lang="ro-RO" smtClean="0"/>
+              <a:rPr lang="ro-RO"/>
               <a:t>Faceți clic pe pictogramă pentru a adăuga o imagine</a:t>
             </a:r>
             <a:endParaRPr lang="en-US" dirty="0"/>
@@ -4540,7 +4545,7 @@
           <a:p>
             <a:pPr lvl="0"/>
             <a:r>
-              <a:rPr lang="ro-RO" smtClean="0"/>
+              <a:rPr lang="ro-RO"/>
               <a:t>Clic pentru editare stiluri text Coordonator</a:t>
             </a:r>
           </a:p>
@@ -4563,7 +4568,7 @@
           <a:p>
             <a:fld id="{3E24DBBD-9242-4357-A561-20355844280C}" type="datetimeFigureOut">
               <a:rPr lang="ro-RO" smtClean="0"/>
-              <a:t>21.12.2016</a:t>
+              <a:t>17.01.2017</a:t>
             </a:fld>
             <a:endParaRPr lang="ro-RO"/>
           </a:p>
@@ -5202,7 +5207,7 @@
           <a:lstStyle/>
           <a:p>
             <a:r>
-              <a:rPr lang="ro-RO" smtClean="0"/>
+              <a:rPr lang="ro-RO"/>
               <a:t>Clic pentru editare stil titlu</a:t>
             </a:r>
             <a:endParaRPr lang="en-US" dirty="0"/>
@@ -5236,35 +5241,35 @@
           <a:p>
             <a:pPr lvl="0"/>
             <a:r>
-              <a:rPr lang="ro-RO" smtClean="0"/>
+              <a:rPr lang="ro-RO"/>
               <a:t>Clic pentru editare stiluri text Coordonator</a:t>
             </a:r>
           </a:p>
           <a:p>
             <a:pPr lvl="1"/>
             <a:r>
-              <a:rPr lang="ro-RO" smtClean="0"/>
+              <a:rPr lang="ro-RO"/>
               <a:t>Al doilea nivel</a:t>
             </a:r>
           </a:p>
           <a:p>
             <a:pPr lvl="2"/>
             <a:r>
-              <a:rPr lang="ro-RO" smtClean="0"/>
+              <a:rPr lang="ro-RO"/>
               <a:t>Al treilea nivel</a:t>
             </a:r>
           </a:p>
           <a:p>
             <a:pPr lvl="3"/>
             <a:r>
-              <a:rPr lang="ro-RO" smtClean="0"/>
+              <a:rPr lang="ro-RO"/>
               <a:t>Al patrulea nivel</a:t>
             </a:r>
           </a:p>
           <a:p>
             <a:pPr lvl="4"/>
             <a:r>
-              <a:rPr lang="ro-RO" smtClean="0"/>
+              <a:rPr lang="ro-RO"/>
               <a:t>Al cincilea nivel</a:t>
             </a:r>
             <a:endParaRPr lang="en-US" dirty="0"/>
@@ -5306,7 +5311,7 @@
           <a:p>
             <a:fld id="{3E24DBBD-9242-4357-A561-20355844280C}" type="datetimeFigureOut">
               <a:rPr lang="ro-RO" smtClean="0"/>
-              <a:t>21.12.2016</a:t>
+              <a:t>17.01.2017</a:t>
             </a:fld>
             <a:endParaRPr lang="ro-RO"/>
           </a:p>
@@ -5852,7 +5857,7 @@
           <a:p>
             <a:pPr algn="ctr"/>
             <a:r>
-              <a:rPr lang="ro-RO" dirty="0" err="1" smtClean="0"/>
+              <a:rPr lang="ro-RO" dirty="0" err="1"/>
               <a:t>Fasty</a:t>
             </a:r>
             <a:endParaRPr lang="ro-RO" dirty="0"/>
@@ -5876,24 +5881,42 @@
           <a:p>
             <a:pPr algn="ctr"/>
             <a:r>
-              <a:rPr lang="ro-RO" dirty="0" smtClean="0"/>
+              <a:rPr lang="ro-RO" dirty="0"/>
               <a:t>Un joc creat în </a:t>
             </a:r>
             <a:r>
-              <a:rPr lang="ro-RO" dirty="0" err="1" smtClean="0"/>
+              <a:rPr lang="ro-RO" dirty="0" err="1"/>
               <a:t>Greenfoot</a:t>
             </a:r>
             <a:r>
-              <a:rPr lang="ro-RO" dirty="0" smtClean="0"/>
-              <a:t> de Pop Alexandru Radu si Nechita Diana</a:t>
-            </a:r>
-          </a:p>
-          <a:p>
-            <a:r>
-              <a:rPr lang="ro-RO" dirty="0" smtClean="0"/>
-              <a:t>Să începem…</a:t>
-            </a:r>
-            <a:endParaRPr lang="ro-RO" dirty="0"/>
+              <a:rPr lang="ro-RO" dirty="0"/>
+              <a:t> de Pop Alexandru Radu și </a:t>
+            </a:r>
+            <a:r>
+              <a:rPr lang="ro-RO" dirty="0" err="1"/>
+              <a:t>Petric</a:t>
+            </a:r>
+            <a:r>
+              <a:rPr lang="ro-RO" dirty="0"/>
+              <a:t> Ovidiu Vasiliu</a:t>
+            </a:r>
+          </a:p>
+          <a:p>
+            <a:r>
+              <a:rPr lang="ro-RO" sz="2000" b="1" dirty="0">
+                <a:solidFill>
+                  <a:schemeClr val="tx1">
+                    <a:lumMod val="65000"/>
+                    <a:lumOff val="35000"/>
+                  </a:schemeClr>
+                </a:solidFill>
+              </a:rPr>
+              <a:t>Să începem</a:t>
+            </a:r>
+            <a:r>
+              <a:rPr lang="ro-RO" dirty="0"/>
+              <a:t>…</a:t>
+            </a:r>
           </a:p>
         </p:txBody>
       </p:sp>
@@ -5907,21 +5930,14 @@
   <p:clrMapOvr>
     <a:masterClrMapping/>
   </p:clrMapOvr>
-  <mc:AlternateContent xmlns:mc="http://schemas.openxmlformats.org/markup-compatibility/2006">
-    <mc:Choice xmlns:p14="http://schemas.microsoft.com/office/powerpoint/2010/main" Requires="p14">
+  <mc:AlternateContent xmlns:mc="http://schemas.openxmlformats.org/markup-compatibility/2006" xmlns:p14="http://schemas.microsoft.com/office/powerpoint/2010/main">
+    <mc:Choice Requires="p14">
       <p:transition p14:dur="10"/>
     </mc:Choice>
-    <mc:Fallback>
+    <mc:Fallback xmlns="">
       <p:transition/>
     </mc:Fallback>
   </mc:AlternateContent>
-  <p:timing>
-    <p:tnLst>
-      <p:par>
-        <p:cTn id="1" dur="indefinite" restart="never" nodeType="tmRoot"/>
-      </p:par>
-    </p:tnLst>
-  </p:timing>
 </p:sld>
 </file>
 
@@ -5959,10 +5975,9 @@
           <a:p>
             <a:pPr algn="ctr"/>
             <a:r>
-              <a:rPr lang="ro-RO" dirty="0" smtClean="0"/>
+              <a:rPr lang="ro-RO" dirty="0"/>
               <a:t>Scenariul</a:t>
             </a:r>
-            <a:endParaRPr lang="ro-RO" dirty="0"/>
           </a:p>
         </p:txBody>
       </p:sp>
@@ -5990,7 +6005,7 @@
               <a:buNone/>
             </a:pPr>
             <a:r>
-              <a:rPr lang="ro-RO" dirty="0" smtClean="0"/>
+              <a:rPr lang="ro-RO" dirty="0"/>
               <a:t>   Se presupune că vă numiți Radu. Ați fost angajat ca șofer pe ambulanță, iar șeful dvs. v-a spus să fiți atent și să luați toți pacienții în timp. După 10 luni, el va avea mai multă încredere în dvs. și vă va da posibilitatea de a lucra peste program pentru o sumă considerabilă de bani. Asta e normal având în vedere că are mai multă încredere într-un om capabil, nu?</a:t>
             </a:r>
           </a:p>
@@ -6000,47 +6015,34 @@
             </a:pPr>
             <a:r>
               <a:rPr lang="ro-RO" dirty="0"/>
+              <a:t>   Luna 25. Sunteți un angajat bine-cunoscut, iar șeful dvs. vă repartizează într-un nou teritoriu. Nu fiți prea fericit, deoarece este chiar centrul orașului. Nu vă accidentați în construcții!</a:t>
+            </a:r>
+          </a:p>
+          <a:p>
+            <a:pPr marL="0" indent="0">
+              <a:buNone/>
+            </a:pPr>
+            <a:r>
+              <a:rPr lang="ro-RO" dirty="0"/>
+              <a:t>   Când veți fi un angajat vechi de 30 de luni, veți primi o nouă ambulanță mai puternică.</a:t>
+            </a:r>
+          </a:p>
+          <a:p>
+            <a:pPr marL="0" indent="0">
+              <a:buNone/>
+            </a:pPr>
+            <a:r>
+              <a:rPr lang="ro-RO" dirty="0"/>
+              <a:t>   Și asta e tot! Mai</a:t>
+            </a:r>
+            <a:r>
+              <a:rPr lang="en-US" dirty="0"/>
               <a:t> </a:t>
             </a:r>
             <a:r>
-              <a:rPr lang="ro-RO" dirty="0" smtClean="0"/>
-              <a:t>  Luna 25. Sunteți un angajat bine-cunoscut, iar șeful dvs. vă repartizează într-un nou teritoriu. Nu fiți prea fericit, deoarece este chiar centrul orașului. Nu vă accidentați în construcții!</a:t>
-            </a:r>
-          </a:p>
-          <a:p>
-            <a:pPr marL="0" indent="0">
-              <a:buNone/>
-            </a:pPr>
-            <a:r>
               <a:rPr lang="ro-RO" dirty="0"/>
-              <a:t> </a:t>
-            </a:r>
-            <a:r>
-              <a:rPr lang="ro-RO" dirty="0" smtClean="0"/>
-              <a:t>  Când veți fi un angajat vechi de 30 de luni, veți primi o nouă ambulanță mai puternică.</a:t>
-            </a:r>
-          </a:p>
-          <a:p>
-            <a:pPr marL="0" indent="0">
-              <a:buNone/>
-            </a:pPr>
-            <a:r>
-              <a:rPr lang="ro-RO" dirty="0"/>
-              <a:t> </a:t>
-            </a:r>
-            <a:r>
-              <a:rPr lang="ro-RO" dirty="0" smtClean="0"/>
-              <a:t>  Și asta e tot! Mai</a:t>
-            </a:r>
-            <a:r>
-              <a:rPr lang="en-US" dirty="0" smtClean="0"/>
-              <a:t> </a:t>
-            </a:r>
-            <a:r>
-              <a:rPr lang="ro-RO" dirty="0" smtClean="0"/>
               <a:t>multe instrucțiuni pe parcursul jocului. Distracție plăcută!</a:t>
             </a:r>
-            <a:endParaRPr lang="ro-RO" dirty="0"/>
           </a:p>
         </p:txBody>
       </p:sp>
@@ -6057,13 +6059,6 @@
   <p:transition spd="med">
     <p:pull/>
   </p:transition>
-  <p:timing>
-    <p:tnLst>
-      <p:par>
-        <p:cTn id="1" dur="indefinite" restart="never" nodeType="tmRoot"/>
-      </p:par>
-    </p:tnLst>
-  </p:timing>
 </p:sld>
 </file>
 
@@ -6101,10 +6096,9 @@
           <a:p>
             <a:pPr algn="ctr"/>
             <a:r>
-              <a:rPr lang="ro-RO" dirty="0" smtClean="0"/>
+              <a:rPr lang="ro-RO" dirty="0"/>
               <a:t>Reguli ale jocului</a:t>
             </a:r>
-            <a:endParaRPr lang="ro-RO" dirty="0"/>
           </a:p>
         </p:txBody>
       </p:sp>
@@ -6124,37 +6118,37 @@
           <a:lstStyle/>
           <a:p>
             <a:r>
-              <a:rPr lang="ro-RO" dirty="0" smtClean="0"/>
+              <a:rPr lang="ro-RO" dirty="0"/>
               <a:t>Știm că </a:t>
             </a:r>
             <a:r>
-              <a:rPr lang="ro-RO" dirty="0" err="1" smtClean="0"/>
+              <a:rPr lang="ro-RO" dirty="0" err="1"/>
               <a:t>Greenfoot</a:t>
             </a:r>
             <a:r>
-              <a:rPr lang="ro-RO" dirty="0" smtClean="0"/>
+              <a:rPr lang="ro-RO" dirty="0"/>
               <a:t> permite rearanjarea lumii după ce aceasta a fost construită. Nu e corect să o rearanjați, exceptând cazurile de depanare.</a:t>
             </a:r>
           </a:p>
           <a:p>
             <a:r>
-              <a:rPr lang="ro-RO" dirty="0" smtClean="0"/>
+              <a:rPr lang="ro-RO" dirty="0"/>
               <a:t>Fiți rapid :)</a:t>
             </a:r>
           </a:p>
           <a:p>
             <a:r>
-              <a:rPr lang="ro-RO" dirty="0" smtClean="0"/>
+              <a:rPr lang="ro-RO" dirty="0"/>
               <a:t>Mai multe informații în timpul jocului, deci fiți pe fază (nu vă faceți griji, vom pune jocul pe pauză)</a:t>
             </a:r>
           </a:p>
           <a:p>
             <a:r>
-              <a:rPr lang="ro-RO" dirty="0" smtClean="0"/>
+              <a:rPr lang="ro-RO" dirty="0"/>
               <a:t>Apropo, e obligatoriu să vă </a:t>
             </a:r>
             <a:r>
-              <a:rPr lang="ro-RO" b="1" dirty="0" smtClean="0">
+              <a:rPr lang="ro-RO" b="1" dirty="0">
                 <a:solidFill>
                   <a:srgbClr val="FF0000"/>
                 </a:solidFill>
@@ -6162,7 +6156,7 @@
               <a:t>distrați</a:t>
             </a:r>
             <a:r>
-              <a:rPr lang="ro-RO" dirty="0" smtClean="0"/>
+              <a:rPr lang="ro-RO" dirty="0"/>
               <a:t>.</a:t>
             </a:r>
           </a:p>
@@ -6172,21 +6166,16 @@
             </a:pPr>
             <a:r>
               <a:rPr lang="ro-RO" dirty="0"/>
-              <a:t> </a:t>
-            </a:r>
-            <a:r>
-              <a:rPr lang="ro-RO" dirty="0" smtClean="0"/>
-              <a:t>  Notă: Extindeți fereastra </a:t>
-            </a:r>
-            <a:r>
-              <a:rPr lang="ro-RO" dirty="0" err="1" smtClean="0"/>
+              <a:t>   Notă: Extindeți fereastra </a:t>
+            </a:r>
+            <a:r>
+              <a:rPr lang="ro-RO" dirty="0" err="1"/>
               <a:t>Greenfoot</a:t>
             </a:r>
             <a:r>
-              <a:rPr lang="ro-RO" dirty="0" smtClean="0"/>
+              <a:rPr lang="ro-RO" dirty="0"/>
               <a:t> Terminal pentru a vedea întreg mesajul ce va apărea.</a:t>
             </a:r>
-            <a:endParaRPr lang="ro-RO" dirty="0"/>
           </a:p>
         </p:txBody>
       </p:sp>
@@ -6203,13 +6192,6 @@
   <p:transition spd="med">
     <p:pull/>
   </p:transition>
-  <p:timing>
-    <p:tnLst>
-      <p:par>
-        <p:cTn id="1" dur="indefinite" restart="never" nodeType="tmRoot"/>
-      </p:par>
-    </p:tnLst>
-  </p:timing>
 </p:sld>
 </file>
 
@@ -6247,10 +6229,9 @@
           <a:p>
             <a:pPr algn="ctr"/>
             <a:r>
-              <a:rPr lang="ro-RO" dirty="0" smtClean="0"/>
+              <a:rPr lang="ro-RO" dirty="0"/>
               <a:t>Idee și execuție</a:t>
             </a:r>
-            <a:endParaRPr lang="ro-RO" dirty="0"/>
           </a:p>
         </p:txBody>
       </p:sp>
@@ -6273,7 +6254,7 @@
               <a:buNone/>
             </a:pPr>
             <a:r>
-              <a:rPr lang="ro-RO" dirty="0" smtClean="0"/>
+              <a:rPr lang="ro-RO" dirty="0"/>
               <a:t>   Jocul s-a născut din simple teste de cunoștințe, dar s-a dovedit a avea un potențial ridicat…așa că îl vom exploata :) .</a:t>
             </a:r>
           </a:p>
@@ -6283,11 +6264,7 @@
             </a:pPr>
             <a:r>
               <a:rPr lang="ro-RO" dirty="0"/>
-              <a:t> </a:t>
-            </a:r>
-            <a:r>
-              <a:rPr lang="ro-RO" dirty="0" smtClean="0"/>
-              <a:t>  Pentru a rula acest joc:</a:t>
+              <a:t>   Pentru a rula acest joc:</a:t>
             </a:r>
           </a:p>
           <a:p>
@@ -6296,11 +6273,7 @@
             </a:pPr>
             <a:r>
               <a:rPr lang="ro-RO" dirty="0"/>
-              <a:t> </a:t>
-            </a:r>
-            <a:r>
-              <a:rPr lang="ro-RO" dirty="0" smtClean="0"/>
-              <a:t>     -extrageți conținutul arhivei</a:t>
+              <a:t>      -extrageți conținutul arhivei</a:t>
             </a:r>
           </a:p>
           <a:p>
@@ -6309,18 +6282,14 @@
             </a:pPr>
             <a:r>
               <a:rPr lang="ro-RO" dirty="0"/>
-              <a:t> </a:t>
-            </a:r>
-            <a:r>
-              <a:rPr lang="ro-RO" dirty="0" smtClean="0"/>
-              <a:t>     -rulați „</a:t>
-            </a:r>
-            <a:r>
-              <a:rPr lang="ro-RO" dirty="0" err="1" smtClean="0"/>
+              <a:t>      -rulați „</a:t>
+            </a:r>
+            <a:r>
+              <a:rPr lang="ro-RO" dirty="0" err="1"/>
               <a:t>project.greenfoot</a:t>
             </a:r>
             <a:r>
-              <a:rPr lang="ro-RO" dirty="0" smtClean="0"/>
+              <a:rPr lang="ro-RO" dirty="0"/>
               <a:t>”</a:t>
             </a:r>
           </a:p>
@@ -6330,22 +6299,18 @@
             </a:pPr>
             <a:r>
               <a:rPr lang="ro-RO" dirty="0"/>
-              <a:t> </a:t>
-            </a:r>
-            <a:r>
-              <a:rPr lang="ro-RO" dirty="0" smtClean="0"/>
-              <a:t>     -apăsați „</a:t>
-            </a:r>
-            <a:r>
-              <a:rPr lang="ro-RO" dirty="0" err="1" smtClean="0"/>
+              <a:t>      -apăsați „</a:t>
+            </a:r>
+            <a:r>
+              <a:rPr lang="ro-RO" dirty="0" err="1"/>
               <a:t>Run</a:t>
             </a:r>
             <a:r>
-              <a:rPr lang="ro-RO" dirty="0" smtClean="0"/>
+              <a:rPr lang="ro-RO" dirty="0"/>
               <a:t>” pentru a </a:t>
             </a:r>
             <a:r>
-              <a:rPr lang="ro-RO" smtClean="0"/>
+              <a:rPr lang="ro-RO"/>
               <a:t>începe jocul</a:t>
             </a:r>
             <a:endParaRPr lang="ro-RO" dirty="0"/>
@@ -6365,13 +6330,6 @@
   <p:transition spd="med">
     <p:pull/>
   </p:transition>
-  <p:timing>
-    <p:tnLst>
-      <p:par>
-        <p:cTn id="1" dur="indefinite" restart="never" nodeType="tmRoot"/>
-      </p:par>
-    </p:tnLst>
-  </p:timing>
 </p:sld>
 </file>
 
@@ -6443,13 +6401,6 @@
   <p:transition spd="med">
     <p:pull/>
   </p:transition>
-  <p:timing>
-    <p:tnLst>
-      <p:par>
-        <p:cTn id="1" dur="indefinite" restart="never" nodeType="tmRoot"/>
-      </p:par>
-    </p:tnLst>
-  </p:timing>
 </p:sld>
 </file>
 
@@ -6521,13 +6472,6 @@
   <p:transition spd="med">
     <p:pull/>
   </p:transition>
-  <p:timing>
-    <p:tnLst>
-      <p:par>
-        <p:cTn id="1" dur="indefinite" restart="never" nodeType="tmRoot"/>
-      </p:par>
-    </p:tnLst>
-  </p:timing>
 </p:sld>
 </file>
 
@@ -6599,13 +6543,6 @@
   <p:transition spd="med">
     <p:pull/>
   </p:transition>
-  <p:timing>
-    <p:tnLst>
-      <p:par>
-        <p:cTn id="1" dur="indefinite" restart="never" nodeType="tmRoot"/>
-      </p:par>
-    </p:tnLst>
-  </p:timing>
 </p:sld>
 </file>
 

--- a/Fasty.pptx
+++ b/Fasty.pptx
@@ -112,7 +112,7 @@
   </p:defaultTextStyle>
   <p:extLst>
     <p:ext uri="{EFAFB233-063F-42B5-8137-9DF3F51BA10A}">
-      <p15:sldGuideLst xmlns:p15="http://schemas.microsoft.com/office/powerpoint/2012/main"/>
+      <p15:sldGuideLst xmlns:p15="http://schemas.microsoft.com/office/powerpoint/2012/main" xmlns=""/>
     </p:ext>
   </p:extLst>
 </p:presentation>
@@ -840,7 +840,7 @@
           <a:p>
             <a:fld id="{3E24DBBD-9242-4357-A561-20355844280C}" type="datetimeFigureOut">
               <a:rPr lang="ro-RO" smtClean="0"/>
-              <a:t>17.01.2017</a:t>
+              <a:t>18.01.2017</a:t>
             </a:fld>
             <a:endParaRPr lang="ro-RO"/>
           </a:p>
@@ -1091,7 +1091,7 @@
           <a:p>
             <a:fld id="{3E24DBBD-9242-4357-A561-20355844280C}" type="datetimeFigureOut">
               <a:rPr lang="ro-RO" smtClean="0"/>
-              <a:t>17.01.2017</a:t>
+              <a:t>18.01.2017</a:t>
             </a:fld>
             <a:endParaRPr lang="ro-RO"/>
           </a:p>
@@ -1405,7 +1405,7 @@
           <a:p>
             <a:fld id="{3E24DBBD-9242-4357-A561-20355844280C}" type="datetimeFigureOut">
               <a:rPr lang="ro-RO" smtClean="0"/>
-              <a:t>17.01.2017</a:t>
+              <a:t>18.01.2017</a:t>
             </a:fld>
             <a:endParaRPr lang="ro-RO"/>
           </a:p>
@@ -1746,7 +1746,7 @@
           <a:p>
             <a:fld id="{3E24DBBD-9242-4357-A561-20355844280C}" type="datetimeFigureOut">
               <a:rPr lang="ro-RO" smtClean="0"/>
-              <a:t>17.01.2017</a:t>
+              <a:t>18.01.2017</a:t>
             </a:fld>
             <a:endParaRPr lang="ro-RO"/>
           </a:p>
@@ -2060,7 +2060,7 @@
           <a:p>
             <a:fld id="{3E24DBBD-9242-4357-A561-20355844280C}" type="datetimeFigureOut">
               <a:rPr lang="ro-RO" smtClean="0"/>
-              <a:t>17.01.2017</a:t>
+              <a:t>18.01.2017</a:t>
             </a:fld>
             <a:endParaRPr lang="ro-RO"/>
           </a:p>
@@ -2453,7 +2453,7 @@
           <a:p>
             <a:fld id="{3E24DBBD-9242-4357-A561-20355844280C}" type="datetimeFigureOut">
               <a:rPr lang="ro-RO" smtClean="0"/>
-              <a:t>17.01.2017</a:t>
+              <a:t>18.01.2017</a:t>
             </a:fld>
             <a:endParaRPr lang="ro-RO"/>
           </a:p>
@@ -2623,7 +2623,7 @@
           <a:p>
             <a:fld id="{3E24DBBD-9242-4357-A561-20355844280C}" type="datetimeFigureOut">
               <a:rPr lang="ro-RO" smtClean="0"/>
-              <a:t>17.01.2017</a:t>
+              <a:t>18.01.2017</a:t>
             </a:fld>
             <a:endParaRPr lang="ro-RO"/>
           </a:p>
@@ -2803,7 +2803,7 @@
           <a:p>
             <a:fld id="{3E24DBBD-9242-4357-A561-20355844280C}" type="datetimeFigureOut">
               <a:rPr lang="ro-RO" smtClean="0"/>
-              <a:t>17.01.2017</a:t>
+              <a:t>18.01.2017</a:t>
             </a:fld>
             <a:endParaRPr lang="ro-RO"/>
           </a:p>
@@ -2979,7 +2979,7 @@
           <a:p>
             <a:fld id="{3E24DBBD-9242-4357-A561-20355844280C}" type="datetimeFigureOut">
               <a:rPr lang="ro-RO" smtClean="0"/>
-              <a:t>17.01.2017</a:t>
+              <a:t>18.01.2017</a:t>
             </a:fld>
             <a:endParaRPr lang="ro-RO"/>
           </a:p>
@@ -3226,7 +3226,7 @@
           <a:p>
             <a:fld id="{3E24DBBD-9242-4357-A561-20355844280C}" type="datetimeFigureOut">
               <a:rPr lang="ro-RO" smtClean="0"/>
-              <a:t>17.01.2017</a:t>
+              <a:t>18.01.2017</a:t>
             </a:fld>
             <a:endParaRPr lang="ro-RO"/>
           </a:p>
@@ -3458,7 +3458,7 @@
           <a:p>
             <a:fld id="{3E24DBBD-9242-4357-A561-20355844280C}" type="datetimeFigureOut">
               <a:rPr lang="ro-RO" smtClean="0"/>
-              <a:t>17.01.2017</a:t>
+              <a:t>18.01.2017</a:t>
             </a:fld>
             <a:endParaRPr lang="ro-RO"/>
           </a:p>
@@ -3832,7 +3832,7 @@
           <a:p>
             <a:fld id="{3E24DBBD-9242-4357-A561-20355844280C}" type="datetimeFigureOut">
               <a:rPr lang="ro-RO" smtClean="0"/>
-              <a:t>17.01.2017</a:t>
+              <a:t>18.01.2017</a:t>
             </a:fld>
             <a:endParaRPr lang="ro-RO"/>
           </a:p>
@@ -3955,7 +3955,7 @@
           <a:p>
             <a:fld id="{3E24DBBD-9242-4357-A561-20355844280C}" type="datetimeFigureOut">
               <a:rPr lang="ro-RO" smtClean="0"/>
-              <a:t>17.01.2017</a:t>
+              <a:t>18.01.2017</a:t>
             </a:fld>
             <a:endParaRPr lang="ro-RO"/>
           </a:p>
@@ -4050,7 +4050,7 @@
           <a:p>
             <a:fld id="{3E24DBBD-9242-4357-A561-20355844280C}" type="datetimeFigureOut">
               <a:rPr lang="ro-RO" smtClean="0"/>
-              <a:t>17.01.2017</a:t>
+              <a:t>18.01.2017</a:t>
             </a:fld>
             <a:endParaRPr lang="ro-RO"/>
           </a:p>
@@ -4305,7 +4305,7 @@
           <a:p>
             <a:fld id="{3E24DBBD-9242-4357-A561-20355844280C}" type="datetimeFigureOut">
               <a:rPr lang="ro-RO" smtClean="0"/>
-              <a:t>17.01.2017</a:t>
+              <a:t>18.01.2017</a:t>
             </a:fld>
             <a:endParaRPr lang="ro-RO"/>
           </a:p>
@@ -4568,7 +4568,7 @@
           <a:p>
             <a:fld id="{3E24DBBD-9242-4357-A561-20355844280C}" type="datetimeFigureOut">
               <a:rPr lang="ro-RO" smtClean="0"/>
-              <a:t>17.01.2017</a:t>
+              <a:t>18.01.2017</a:t>
             </a:fld>
             <a:endParaRPr lang="ro-RO"/>
           </a:p>
@@ -5311,7 +5311,7 @@
           <a:p>
             <a:fld id="{3E24DBBD-9242-4357-A561-20355844280C}" type="datetimeFigureOut">
               <a:rPr lang="ro-RO" smtClean="0"/>
-              <a:t>17.01.2017</a:t>
+              <a:t>18.01.2017</a:t>
             </a:fld>
             <a:endParaRPr lang="ro-RO"/>
           </a:p>
@@ -5938,6 +5938,13 @@
       <p:transition/>
     </mc:Fallback>
   </mc:AlternateContent>
+  <p:timing>
+    <p:tnLst>
+      <p:par>
+        <p:cTn id="1" dur="indefinite" restart="never" nodeType="tmRoot"/>
+      </p:par>
+    </p:tnLst>
+  </p:timing>
 </p:sld>
 </file>
 
@@ -6006,7 +6013,19 @@
             </a:pPr>
             <a:r>
               <a:rPr lang="ro-RO" dirty="0"/>
-              <a:t>   Se presupune că vă numiți Radu. Ați fost angajat ca șofer pe ambulanță, iar șeful dvs. v-a spus să fiți atent și să luați toți pacienții în timp. După 10 luni, el va avea mai multă încredere în dvs. și vă va da posibilitatea de a lucra peste program pentru o sumă considerabilă de bani. Asta e normal având în vedere că are mai multă încredere într-un om capabil, nu?</a:t>
+              <a:t>   Se presupune că vă numiți Radu. Ați fost angajat ca șofer pe ambulanță, iar șeful dvs. v-a spus să fiți atent și să luați toți pacienții în timp. După 10 luni, </a:t>
+            </a:r>
+            <a:r>
+              <a:rPr lang="ro-RO" dirty="0"/>
+              <a:t>s</a:t>
+            </a:r>
+            <a:r>
+              <a:rPr lang="ro-RO" dirty="0" smtClean="0"/>
+              <a:t>unteți </a:t>
+            </a:r>
+            <a:r>
+              <a:rPr lang="ro-RO" dirty="0"/>
+              <a:t>un angajat bine-cunoscut, iar șeful dvs. vă repartizează într-un nou teritoriu. Nu fiți prea fericit, deoarece este chiar centrul orașului. Nu vă accidentați în construcții!</a:t>
             </a:r>
           </a:p>
           <a:p>
@@ -6015,8 +6034,17 @@
             </a:pPr>
             <a:r>
               <a:rPr lang="ro-RO" dirty="0"/>
-              <a:t>   Luna 25. Sunteți un angajat bine-cunoscut, iar șeful dvs. vă repartizează într-un nou teritoriu. Nu fiți prea fericit, deoarece este chiar centrul orașului. Nu vă accidentați în construcții!</a:t>
-            </a:r>
+              <a:t>   </a:t>
+            </a:r>
+            <a:r>
+              <a:rPr lang="ro-RO" dirty="0" smtClean="0"/>
+              <a:t>După un timp</a:t>
+            </a:r>
+            <a:r>
+              <a:rPr lang="ro-RO" dirty="0" smtClean="0"/>
+              <a:t>, veți avea dreptul la service gratuit în caz de accident, dar asta doar din 10 în 10 luni.</a:t>
+            </a:r>
+            <a:endParaRPr lang="ro-RO" dirty="0"/>
           </a:p>
           <a:p>
             <a:pPr marL="0" indent="0">
@@ -6024,16 +6052,15 @@
             </a:pPr>
             <a:r>
               <a:rPr lang="ro-RO" dirty="0"/>
-              <a:t>   Când veți fi un angajat vechi de 30 de luni, veți primi o nouă ambulanță mai puternică.</a:t>
-            </a:r>
-          </a:p>
-          <a:p>
-            <a:pPr marL="0" indent="0">
-              <a:buNone/>
-            </a:pPr>
+              <a:t>   Și asta e </a:t>
+            </a:r>
+            <a:r>
+              <a:rPr lang="ro-RO" dirty="0" smtClean="0"/>
+              <a:t>tot pentru acum! </a:t>
+            </a:r>
             <a:r>
               <a:rPr lang="ro-RO" dirty="0"/>
-              <a:t>   Și asta e tot! Mai</a:t>
+              <a:t>Mai</a:t>
             </a:r>
             <a:r>
               <a:rPr lang="en-US" dirty="0"/>
@@ -6041,8 +6068,22 @@
             </a:r>
             <a:r>
               <a:rPr lang="ro-RO" dirty="0"/>
-              <a:t>multe instrucțiuni pe parcursul jocului. Distracție plăcută!</a:t>
-            </a:r>
+              <a:t>multe instrucțiuni pe parcursul jocului. Distracție </a:t>
+            </a:r>
+            <a:r>
+              <a:rPr lang="ro-RO" dirty="0" smtClean="0"/>
+              <a:t>plăcută!</a:t>
+            </a:r>
+          </a:p>
+          <a:p>
+            <a:pPr marL="0" indent="0">
+              <a:buNone/>
+            </a:pPr>
+            <a:r>
+              <a:rPr lang="ro-RO" dirty="0" smtClean="0"/>
+              <a:t>Notă: Sarcina utilizatorului este de a colecta toți oamenii din ecran în mai puțin de 12 secunde fără a intra în coliziune cu construcțiile care vor apărea după nivelul 10.</a:t>
+            </a:r>
+            <a:endParaRPr lang="ro-RO" dirty="0"/>
           </a:p>
         </p:txBody>
       </p:sp>
@@ -6059,6 +6100,13 @@
   <p:transition spd="med">
     <p:pull/>
   </p:transition>
+  <p:timing>
+    <p:tnLst>
+      <p:par>
+        <p:cTn id="1" dur="indefinite" restart="never" nodeType="tmRoot"/>
+      </p:par>
+    </p:tnLst>
+  </p:timing>
 </p:sld>
 </file>
 
@@ -6192,6 +6240,13 @@
   <p:transition spd="med">
     <p:pull/>
   </p:transition>
+  <p:timing>
+    <p:tnLst>
+      <p:par>
+        <p:cTn id="1" dur="indefinite" restart="never" nodeType="tmRoot"/>
+      </p:par>
+    </p:tnLst>
+  </p:timing>
 </p:sld>
 </file>
 
@@ -6245,7 +6300,12 @@
             <p:ph idx="1"/>
           </p:nvPr>
         </p:nvSpPr>
-        <p:spPr/>
+        <p:spPr>
+          <a:xfrm>
+            <a:off x="677334" y="2160589"/>
+            <a:ext cx="8596668" cy="4358964"/>
+          </a:xfrm>
+        </p:spPr>
         <p:txBody>
           <a:bodyPr/>
           <a:lstStyle/>
@@ -6299,19 +6359,114 @@
             </a:pPr>
             <a:r>
               <a:rPr lang="ro-RO" dirty="0"/>
-              <a:t>      -apăsați „</a:t>
+              <a:t>      </a:t>
             </a:r>
             <a:r>
               <a:rPr lang="ro-RO" dirty="0" err="1"/>
+              <a:t>-apăsați</a:t>
+            </a:r>
+            <a:r>
+              <a:rPr lang="ro-RO" dirty="0"/>
+              <a:t> </a:t>
+            </a:r>
+            <a:r>
+              <a:rPr lang="ro-RO" dirty="0" smtClean="0"/>
+              <a:t>„</a:t>
+            </a:r>
+            <a:r>
+              <a:rPr lang="ro-RO" dirty="0" err="1" smtClean="0"/>
+              <a:t>Reset</a:t>
+            </a:r>
+            <a:r>
+              <a:rPr lang="ro-RO" dirty="0" smtClean="0"/>
+              <a:t>” și apoi </a:t>
+            </a:r>
+            <a:r>
+              <a:rPr lang="ro-RO" dirty="0" smtClean="0"/>
+              <a:t>„</a:t>
+            </a:r>
+            <a:r>
+              <a:rPr lang="ro-RO" dirty="0" err="1" smtClean="0"/>
               <a:t>Run</a:t>
             </a:r>
             <a:r>
               <a:rPr lang="ro-RO" dirty="0"/>
-              <a:t>” pentru a </a:t>
-            </a:r>
-            <a:r>
-              <a:rPr lang="ro-RO"/>
-              <a:t>începe jocul</a:t>
+              <a:t>” pentru a începe </a:t>
+            </a:r>
+            <a:r>
+              <a:rPr lang="ro-RO" dirty="0" smtClean="0"/>
+              <a:t>jocul</a:t>
+            </a:r>
+            <a:endParaRPr lang="ro-RO" dirty="0"/>
+          </a:p>
+          <a:p>
+            <a:pPr marL="0" indent="0">
+              <a:buNone/>
+            </a:pPr>
+            <a:r>
+              <a:rPr lang="ro-RO" dirty="0"/>
+              <a:t> </a:t>
+            </a:r>
+            <a:r>
+              <a:rPr lang="ro-RO" dirty="0" smtClean="0"/>
+              <a:t>  </a:t>
+            </a:r>
+            <a:r>
+              <a:rPr lang="ro-RO" b="1" dirty="0" smtClean="0"/>
+              <a:t>Controale:</a:t>
+            </a:r>
+            <a:endParaRPr lang="ro-RO" dirty="0" smtClean="0"/>
+          </a:p>
+          <a:p>
+            <a:pPr marL="0" indent="0">
+              <a:buNone/>
+            </a:pPr>
+            <a:r>
+              <a:rPr lang="ro-RO" dirty="0" smtClean="0"/>
+              <a:t>      </a:t>
+            </a:r>
+            <a:r>
+              <a:rPr lang="ro-RO" dirty="0" err="1" smtClean="0"/>
+              <a:t>-săgeți</a:t>
+            </a:r>
+            <a:r>
+              <a:rPr lang="ro-RO" dirty="0" smtClean="0"/>
+              <a:t> sau WASD pentru mișcare</a:t>
+            </a:r>
+          </a:p>
+          <a:p>
+            <a:pPr marL="0" indent="0">
+              <a:buNone/>
+            </a:pPr>
+            <a:r>
+              <a:rPr lang="ro-RO" dirty="0"/>
+              <a:t> </a:t>
+            </a:r>
+            <a:r>
+              <a:rPr lang="ro-RO" dirty="0" smtClean="0"/>
+              <a:t>     -Q pentru a folosi puterea timp bonus</a:t>
+            </a:r>
+          </a:p>
+          <a:p>
+            <a:pPr marL="0" indent="0">
+              <a:buNone/>
+            </a:pPr>
+            <a:r>
+              <a:rPr lang="ro-RO" dirty="0"/>
+              <a:t> </a:t>
+            </a:r>
+            <a:r>
+              <a:rPr lang="ro-RO" dirty="0" smtClean="0"/>
+              <a:t>     -E pentru a folosi puterea viață bonus</a:t>
+            </a:r>
+          </a:p>
+          <a:p>
+            <a:pPr marL="0" indent="0">
+              <a:buNone/>
+            </a:pPr>
+            <a:r>
+              <a:rPr lang="ro-RO" dirty="0" smtClean="0"/>
+              <a:t>      -P pentru pauză</a:t>
             </a:r>
             <a:endParaRPr lang="ro-RO" dirty="0"/>
           </a:p>
@@ -6330,6 +6485,13 @@
   <p:transition spd="med">
     <p:pull/>
   </p:transition>
+  <p:timing>
+    <p:tnLst>
+      <p:par>
+        <p:cTn id="1" dur="indefinite" restart="never" nodeType="tmRoot"/>
+      </p:par>
+    </p:tnLst>
+  </p:timing>
 </p:sld>
 </file>
 
@@ -6365,7 +6527,12 @@
           <a:bodyPr/>
           <a:lstStyle/>
           <a:p>
-            <a:endParaRPr lang="ro-RO"/>
+            <a:pPr algn="ctr"/>
+            <a:r>
+              <a:rPr lang="ro-RO" dirty="0" smtClean="0"/>
+              <a:t>Algoritmul folosit</a:t>
+            </a:r>
+            <a:endParaRPr lang="ro-RO" dirty="0"/>
           </a:p>
         </p:txBody>
       </p:sp>
@@ -6379,12 +6546,228 @@
             <p:ph idx="1"/>
           </p:nvPr>
         </p:nvSpPr>
-        <p:spPr/>
+        <p:spPr>
+          <a:xfrm>
+            <a:off x="677334" y="1448791"/>
+            <a:ext cx="8596668" cy="4592572"/>
+          </a:xfrm>
+        </p:spPr>
         <p:txBody>
           <a:bodyPr/>
           <a:lstStyle/>
           <a:p>
-            <a:endParaRPr lang="ro-RO"/>
+            <a:pPr marL="0" indent="0">
+              <a:buNone/>
+            </a:pPr>
+            <a:r>
+              <a:rPr lang="ro-RO" dirty="0" smtClean="0"/>
+              <a:t>   Structura algoritmului este următoarea:</a:t>
+            </a:r>
+          </a:p>
+          <a:p>
+            <a:pPr marL="0" indent="0">
+              <a:buNone/>
+            </a:pPr>
+            <a:r>
+              <a:rPr lang="ro-RO" dirty="0"/>
+              <a:t> </a:t>
+            </a:r>
+            <a:r>
+              <a:rPr lang="ro-RO" dirty="0" smtClean="0"/>
+              <a:t>     </a:t>
+            </a:r>
+            <a:r>
+              <a:rPr lang="ro-RO" dirty="0" err="1" smtClean="0"/>
+              <a:t>-se</a:t>
+            </a:r>
+            <a:r>
+              <a:rPr lang="ro-RO" dirty="0" smtClean="0"/>
+              <a:t> creează o lume și se pun </a:t>
+            </a:r>
+            <a:r>
+              <a:rPr lang="ro-RO" b="1" dirty="0" smtClean="0"/>
+              <a:t>n</a:t>
+            </a:r>
+            <a:r>
+              <a:rPr lang="ro-RO" dirty="0" smtClean="0"/>
+              <a:t> actori băieți (20</a:t>
+            </a:r>
+            <a:r>
+              <a:rPr lang="en-US" b="1" dirty="0" smtClean="0"/>
+              <a:t>&lt;n&lt;</a:t>
+            </a:r>
+            <a:r>
+              <a:rPr lang="en-US" dirty="0" smtClean="0"/>
+              <a:t>30</a:t>
+            </a:r>
+            <a:r>
+              <a:rPr lang="ro-RO" dirty="0" smtClean="0"/>
+              <a:t>)</a:t>
+            </a:r>
+            <a:endParaRPr lang="en-US" dirty="0" smtClean="0"/>
+          </a:p>
+          <a:p>
+            <a:pPr marL="0" indent="0">
+              <a:buNone/>
+            </a:pPr>
+            <a:r>
+              <a:rPr lang="en-US" dirty="0"/>
+              <a:t> </a:t>
+            </a:r>
+            <a:r>
+              <a:rPr lang="en-US" dirty="0" smtClean="0"/>
+              <a:t>     -se </a:t>
+            </a:r>
+            <a:r>
+              <a:rPr lang="en-US" dirty="0" err="1" smtClean="0"/>
+              <a:t>adaug</a:t>
+            </a:r>
+            <a:r>
+              <a:rPr lang="ro-RO" dirty="0" smtClean="0"/>
+              <a:t>ă o ambulanță și, dacă nivelul este mai mare de 10, 5 construcții</a:t>
+            </a:r>
+          </a:p>
+          <a:p>
+            <a:pPr marL="0" indent="0">
+              <a:buNone/>
+            </a:pPr>
+            <a:r>
+              <a:rPr lang="ro-RO" dirty="0"/>
+              <a:t> </a:t>
+            </a:r>
+            <a:r>
+              <a:rPr lang="ro-RO" dirty="0" smtClean="0"/>
+              <a:t>     </a:t>
+            </a:r>
+            <a:r>
+              <a:rPr lang="ro-RO" dirty="0" err="1" smtClean="0"/>
+              <a:t>-se</a:t>
+            </a:r>
+            <a:r>
+              <a:rPr lang="ro-RO" dirty="0" smtClean="0"/>
+              <a:t> creează un fișier numit „</a:t>
+            </a:r>
+            <a:r>
+              <a:rPr lang="ro-RO" dirty="0" err="1" smtClean="0"/>
+              <a:t>res.txt</a:t>
+            </a:r>
+            <a:r>
+              <a:rPr lang="ro-RO" dirty="0" smtClean="0"/>
+              <a:t>” care conține datele utilizatorului (dacă acesta există deja, nu va fi înlocuit de unul nou)</a:t>
+            </a:r>
+            <a:endParaRPr lang="ro-RO" dirty="0" smtClean="0"/>
+          </a:p>
+          <a:p>
+            <a:pPr marL="0" indent="0">
+              <a:buNone/>
+            </a:pPr>
+            <a:r>
+              <a:rPr lang="ro-RO" dirty="0"/>
+              <a:t> </a:t>
+            </a:r>
+            <a:r>
+              <a:rPr lang="ro-RO" dirty="0" smtClean="0"/>
+              <a:t>     </a:t>
+            </a:r>
+            <a:r>
+              <a:rPr lang="ro-RO" dirty="0" err="1" smtClean="0"/>
+              <a:t>-clasa</a:t>
+            </a:r>
+            <a:r>
+              <a:rPr lang="ro-RO" dirty="0" smtClean="0"/>
+              <a:t> „</a:t>
+            </a:r>
+            <a:r>
+              <a:rPr lang="ro-RO" dirty="0" err="1" smtClean="0"/>
+              <a:t>Ambulance</a:t>
+            </a:r>
+            <a:r>
+              <a:rPr lang="ro-RO" dirty="0" smtClean="0"/>
+              <a:t>” este creierul jocului și se ocupă cu controalele, cu citirea datelor utilizatorului, cu </a:t>
+            </a:r>
+            <a:r>
+              <a:rPr lang="ro-RO" dirty="0" err="1" smtClean="0"/>
+              <a:t>acting-ul</a:t>
+            </a:r>
+            <a:r>
+              <a:rPr lang="ro-RO" dirty="0" smtClean="0"/>
+              <a:t> și cu afișarea output-ului</a:t>
+            </a:r>
+          </a:p>
+          <a:p>
+            <a:pPr marL="0" indent="0">
+              <a:buNone/>
+            </a:pPr>
+            <a:r>
+              <a:rPr lang="ro-RO" dirty="0"/>
+              <a:t> </a:t>
+            </a:r>
+            <a:r>
+              <a:rPr lang="ro-RO" dirty="0" smtClean="0"/>
+              <a:t>     </a:t>
+            </a:r>
+            <a:r>
+              <a:rPr lang="ro-RO" dirty="0" err="1" smtClean="0"/>
+              <a:t>-celelalte</a:t>
+            </a:r>
+            <a:r>
+              <a:rPr lang="ro-RO" dirty="0" smtClean="0"/>
+              <a:t> clase au o </a:t>
+            </a:r>
+            <a:r>
+              <a:rPr lang="ro-RO" dirty="0" err="1" smtClean="0"/>
+              <a:t>funție</a:t>
+            </a:r>
+            <a:r>
+              <a:rPr lang="ro-RO" dirty="0" smtClean="0"/>
+              <a:t> „</a:t>
+            </a:r>
+            <a:r>
+              <a:rPr lang="ro-RO" dirty="0" err="1" smtClean="0"/>
+              <a:t>addedToWorld</a:t>
+            </a:r>
+            <a:r>
+              <a:rPr lang="ro-RO" dirty="0" smtClean="0"/>
+              <a:t>” (</a:t>
+            </a:r>
+            <a:r>
+              <a:rPr lang="ro-RO" dirty="0" err="1" smtClean="0"/>
+              <a:t>Hospital</a:t>
+            </a:r>
+            <a:r>
+              <a:rPr lang="ro-RO" dirty="0" smtClean="0"/>
+              <a:t>) sau sunt neconfigurate (Boy)</a:t>
+            </a:r>
+          </a:p>
+          <a:p>
+            <a:pPr marL="0" indent="0">
+              <a:buNone/>
+            </a:pPr>
+            <a:r>
+              <a:rPr lang="ro-RO" dirty="0"/>
+              <a:t> </a:t>
+            </a:r>
+            <a:r>
+              <a:rPr lang="ro-RO" dirty="0" smtClean="0"/>
+              <a:t>  S-a folosit documentația </a:t>
+            </a:r>
+            <a:r>
+              <a:rPr lang="ro-RO" dirty="0" err="1" smtClean="0"/>
+              <a:t>Greenfoot</a:t>
+            </a:r>
+            <a:r>
+              <a:rPr lang="ro-RO" dirty="0" smtClean="0"/>
+              <a:t> și unele informații de pe site-ul </a:t>
+            </a:r>
+            <a:r>
+              <a:rPr lang="ro-RO" dirty="0" err="1" smtClean="0"/>
+              <a:t>stackexchange.com</a:t>
+            </a:r>
+            <a:r>
+              <a:rPr lang="ro-RO" dirty="0" smtClean="0"/>
+              <a:t> (informații privitoare la optimizarea fișierului de proprietăți)</a:t>
+            </a:r>
+            <a:endParaRPr lang="ro-RO" dirty="0"/>
           </a:p>
         </p:txBody>
       </p:sp>
@@ -6401,6 +6784,13 @@
   <p:transition spd="med">
     <p:pull/>
   </p:transition>
+  <p:timing>
+    <p:tnLst>
+      <p:par>
+        <p:cTn id="1" dur="indefinite" restart="never" nodeType="tmRoot"/>
+      </p:par>
+    </p:tnLst>
+  </p:timing>
 </p:sld>
 </file>
 
@@ -6436,7 +6826,12 @@
           <a:bodyPr/>
           <a:lstStyle/>
           <a:p>
-            <a:endParaRPr lang="ro-RO"/>
+            <a:pPr algn="ctr"/>
+            <a:r>
+              <a:rPr lang="ro-RO" dirty="0" smtClean="0"/>
+              <a:t>Observații finale</a:t>
+            </a:r>
+            <a:endParaRPr lang="ro-RO" dirty="0"/>
           </a:p>
         </p:txBody>
       </p:sp>
@@ -6452,10 +6847,89 @@
         </p:nvSpPr>
         <p:spPr/>
         <p:txBody>
-          <a:bodyPr/>
-          <a:lstStyle/>
-          <a:p>
-            <a:endParaRPr lang="ro-RO"/>
+          <a:bodyPr>
+            <a:normAutofit lnSpcReduction="10000"/>
+          </a:bodyPr>
+          <a:lstStyle/>
+          <a:p>
+            <a:r>
+              <a:rPr lang="ro-RO" dirty="0" smtClean="0"/>
+              <a:t>   Limba implicită a jocului este engleza. </a:t>
+            </a:r>
+            <a:r>
+              <a:rPr lang="ro-RO" dirty="0" smtClean="0"/>
+              <a:t>Asta ne va ajuta să creăm un joc ce va fi mai ușor de </a:t>
+            </a:r>
+            <a:r>
+              <a:rPr lang="ro-RO" dirty="0" err="1" smtClean="0"/>
+              <a:t>externalizat</a:t>
+            </a:r>
+            <a:r>
+              <a:rPr lang="ro-RO" dirty="0" smtClean="0"/>
+              <a:t>. De asemenea, nu am găsit informații privitoare la limba pe care ar trebui să o aibă jocul.</a:t>
+            </a:r>
+          </a:p>
+          <a:p>
+            <a:r>
+              <a:rPr lang="ro-RO" dirty="0" smtClean="0"/>
+              <a:t>   Acest joc există în domeniul online </a:t>
+            </a:r>
+            <a:r>
+              <a:rPr lang="ro-RO" dirty="0"/>
+              <a:t>la </a:t>
+            </a:r>
+            <a:r>
+              <a:rPr lang="ro-RO" dirty="0" smtClean="0"/>
+              <a:t>adresa: </a:t>
+            </a:r>
+            <a:r>
+              <a:rPr lang="ro-RO" dirty="0" smtClean="0">
+                <a:hlinkClick r:id="rId2"/>
+              </a:rPr>
+              <a:t>https</a:t>
+            </a:r>
+            <a:r>
+              <a:rPr lang="ro-RO" dirty="0">
+                <a:hlinkClick r:id="rId2"/>
+              </a:rPr>
+              <a:t>://</a:t>
+            </a:r>
+            <a:r>
+              <a:rPr lang="ro-RO" dirty="0" smtClean="0">
+                <a:hlinkClick r:id="rId2"/>
+              </a:rPr>
+              <a:t>github.com/minealex2244/Fasty</a:t>
+            </a:r>
+            <a:r>
+              <a:rPr lang="ro-RO" dirty="0" smtClean="0"/>
+              <a:t> și a fost încărcat de noi pentru a putea beneficia din plin de facilitățile oferite de </a:t>
+            </a:r>
+            <a:r>
+              <a:rPr lang="ro-RO" dirty="0" err="1" smtClean="0"/>
+              <a:t>Github</a:t>
+            </a:r>
+            <a:r>
+              <a:rPr lang="ro-RO" dirty="0"/>
+              <a:t> </a:t>
+            </a:r>
+            <a:r>
+              <a:rPr lang="ro-RO" dirty="0" smtClean="0"/>
+              <a:t>cum ar fi compararea versiunilor conținutului fișierelor.</a:t>
+            </a:r>
+          </a:p>
+          <a:p>
+            <a:r>
+              <a:rPr lang="ro-RO" dirty="0" smtClean="0"/>
+              <a:t>   Jocul este ușor de depanat. Fișierul „</a:t>
+            </a:r>
+            <a:r>
+              <a:rPr lang="ro-RO" dirty="0" err="1" smtClean="0"/>
+              <a:t>res.txt</a:t>
+            </a:r>
+            <a:r>
+              <a:rPr lang="ro-RO" dirty="0" smtClean="0"/>
+              <a:t>” poate fi modificat pentru a obține timp bonus, o nouă șansă sau un nivel mai mare fără a fi nevoie de multă muncă. Dar asta înseamnă a trișa :). Sau puteți modifica algoritmul pentru a obține anumite „beneficii” (comentariile de cod vă vor indica ce valori pot fi modificate, excepție pentru viteza ambulanței a cărei valoare poate fi modificată, dar nu există un comentariu care să indice asta).</a:t>
+            </a:r>
           </a:p>
         </p:txBody>
       </p:sp>
@@ -6472,6 +6946,13 @@
   <p:transition spd="med">
     <p:pull/>
   </p:transition>
+  <p:timing>
+    <p:tnLst>
+      <p:par>
+        <p:cTn id="1" dur="indefinite" restart="never" nodeType="tmRoot"/>
+      </p:par>
+    </p:tnLst>
+  </p:timing>
 </p:sld>
 </file>
 
@@ -6507,6 +6988,11 @@
           <a:bodyPr/>
           <a:lstStyle/>
           <a:p>
+            <a:pPr algn="ctr"/>
+            <a:r>
+              <a:rPr lang="ro-RO" dirty="0" smtClean="0"/>
+              <a:t>Observații finale</a:t>
+            </a:r>
             <a:endParaRPr lang="ro-RO" dirty="0"/>
           </a:p>
         </p:txBody>
@@ -6521,12 +7007,516 @@
             <p:ph idx="1"/>
           </p:nvPr>
         </p:nvSpPr>
-        <p:spPr/>
-        <p:txBody>
-          <a:bodyPr/>
-          <a:lstStyle/>
-          <a:p>
-            <a:endParaRPr lang="ro-RO"/>
+        <p:spPr>
+          <a:xfrm>
+            <a:off x="677334" y="1528011"/>
+            <a:ext cx="8596668" cy="5221705"/>
+          </a:xfrm>
+        </p:spPr>
+        <p:txBody>
+          <a:bodyPr>
+            <a:normAutofit lnSpcReduction="10000"/>
+          </a:bodyPr>
+          <a:lstStyle/>
+          <a:p>
+            <a:pPr marL="0" indent="0">
+              <a:buNone/>
+            </a:pPr>
+            <a:r>
+              <a:rPr lang="ro-RO" dirty="0" smtClean="0"/>
+              <a:t>   Boy </a:t>
+            </a:r>
+            <a:r>
+              <a:rPr lang="ro-RO" dirty="0"/>
+              <a:t>peste </a:t>
+            </a:r>
+            <a:r>
+              <a:rPr lang="ro-RO" dirty="0" err="1" smtClean="0"/>
+              <a:t>Ambulance</a:t>
+            </a:r>
+            <a:r>
+              <a:rPr lang="ro-RO" dirty="0" smtClean="0"/>
+              <a:t>, Boy </a:t>
+            </a:r>
+            <a:r>
+              <a:rPr lang="ro-RO" dirty="0"/>
+              <a:t>peste </a:t>
+            </a:r>
+            <a:r>
+              <a:rPr lang="ro-RO" dirty="0" smtClean="0"/>
+              <a:t>Boy și </a:t>
+            </a:r>
+            <a:r>
+              <a:rPr lang="ro-RO" dirty="0" err="1" smtClean="0"/>
+              <a:t>Hospital</a:t>
+            </a:r>
+            <a:r>
+              <a:rPr lang="ro-RO" dirty="0" smtClean="0"/>
+              <a:t> peste </a:t>
+            </a:r>
+            <a:r>
+              <a:rPr lang="ro-RO" dirty="0" err="1" smtClean="0"/>
+              <a:t>Hospital</a:t>
+            </a:r>
+            <a:r>
+              <a:rPr lang="ro-RO" dirty="0" smtClean="0"/>
+              <a:t> </a:t>
+            </a:r>
+            <a:r>
+              <a:rPr lang="ro-RO" dirty="0"/>
+              <a:t>nu constituie </a:t>
+            </a:r>
+            <a:r>
+              <a:rPr lang="ro-RO" dirty="0" smtClean="0"/>
+              <a:t>un </a:t>
+            </a:r>
+            <a:r>
+              <a:rPr lang="ro-RO" dirty="0" err="1" smtClean="0"/>
+              <a:t>bug</a:t>
+            </a:r>
+            <a:r>
+              <a:rPr lang="ro-RO" dirty="0"/>
+              <a:t>, ci face parte din regulile jocului. Dacă doriți să eliminați acest lucru adăugați </a:t>
+            </a:r>
+            <a:r>
+              <a:rPr lang="ro-RO" dirty="0" smtClean="0"/>
+              <a:t>următoarele </a:t>
+            </a:r>
+            <a:r>
+              <a:rPr lang="ro-RO" dirty="0"/>
+              <a:t>linii de </a:t>
+            </a:r>
+            <a:r>
+              <a:rPr lang="ro-RO" dirty="0" smtClean="0"/>
+              <a:t>cod în clasa Boy:</a:t>
+            </a:r>
+          </a:p>
+          <a:p>
+            <a:pPr marL="0" indent="0">
+              <a:buNone/>
+            </a:pPr>
+            <a:r>
+              <a:rPr lang="ro-RO" dirty="0">
+                <a:solidFill>
+                  <a:schemeClr val="accent5">
+                    <a:lumMod val="75000"/>
+                  </a:schemeClr>
+                </a:solidFill>
+              </a:rPr>
+              <a:t>public </a:t>
+            </a:r>
+            <a:r>
+              <a:rPr lang="ro-RO" dirty="0" err="1">
+                <a:solidFill>
+                  <a:schemeClr val="accent5">
+                    <a:lumMod val="75000"/>
+                  </a:schemeClr>
+                </a:solidFill>
+              </a:rPr>
+              <a:t>void</a:t>
+            </a:r>
+            <a:r>
+              <a:rPr lang="ro-RO" dirty="0"/>
+              <a:t> </a:t>
+            </a:r>
+            <a:r>
+              <a:rPr lang="ro-RO" dirty="0" err="1">
+                <a:solidFill>
+                  <a:schemeClr val="accent5">
+                    <a:lumMod val="40000"/>
+                    <a:lumOff val="60000"/>
+                  </a:schemeClr>
+                </a:solidFill>
+              </a:rPr>
+              <a:t>addedToWorld</a:t>
+            </a:r>
+            <a:r>
+              <a:rPr lang="ro-RO" dirty="0"/>
+              <a:t>(World </a:t>
+            </a:r>
+            <a:r>
+              <a:rPr lang="ro-RO" dirty="0">
+                <a:solidFill>
+                  <a:schemeClr val="accent3">
+                    <a:lumMod val="75000"/>
+                  </a:schemeClr>
+                </a:solidFill>
+              </a:rPr>
+              <a:t>w</a:t>
+            </a:r>
+            <a:r>
+              <a:rPr lang="ro-RO" dirty="0"/>
+              <a:t>)</a:t>
+            </a:r>
+          </a:p>
+          <a:p>
+            <a:pPr marL="0" indent="0">
+              <a:buNone/>
+            </a:pPr>
+            <a:r>
+              <a:rPr lang="ro-RO" dirty="0"/>
+              <a:t>    {</a:t>
+            </a:r>
+          </a:p>
+          <a:p>
+            <a:pPr marL="0" indent="0">
+              <a:buNone/>
+            </a:pPr>
+            <a:r>
+              <a:rPr lang="ro-RO" dirty="0"/>
+              <a:t>        </a:t>
+            </a:r>
+            <a:r>
+              <a:rPr lang="ro-RO" dirty="0" err="1" smtClean="0">
+                <a:solidFill>
+                  <a:schemeClr val="accent5">
+                    <a:lumMod val="75000"/>
+                  </a:schemeClr>
+                </a:solidFill>
+              </a:rPr>
+              <a:t>while</a:t>
+            </a:r>
+            <a:r>
+              <a:rPr lang="ro-RO" dirty="0" smtClean="0"/>
+              <a:t>(</a:t>
+            </a:r>
+            <a:r>
+              <a:rPr lang="ro-RO" dirty="0" err="1" smtClean="0">
+                <a:solidFill>
+                  <a:schemeClr val="accent5">
+                    <a:lumMod val="75000"/>
+                  </a:schemeClr>
+                </a:solidFill>
+              </a:rPr>
+              <a:t>isTouching</a:t>
+            </a:r>
+            <a:r>
+              <a:rPr lang="ro-RO" dirty="0" smtClean="0"/>
+              <a:t>(</a:t>
+            </a:r>
+            <a:r>
+              <a:rPr lang="ro-RO" dirty="0" err="1" smtClean="0">
+                <a:solidFill>
+                  <a:schemeClr val="accent5">
+                    <a:lumMod val="60000"/>
+                    <a:lumOff val="40000"/>
+                  </a:schemeClr>
+                </a:solidFill>
+              </a:rPr>
+              <a:t>Boy</a:t>
+            </a:r>
+            <a:r>
+              <a:rPr lang="ro-RO" dirty="0" err="1" smtClean="0"/>
+              <a:t>.class</a:t>
+            </a:r>
+            <a:r>
+              <a:rPr lang="ro-RO" dirty="0"/>
+              <a:t>) </a:t>
+            </a:r>
+            <a:r>
+              <a:rPr lang="ro-RO" dirty="0">
+                <a:solidFill>
+                  <a:schemeClr val="accent5">
+                    <a:lumMod val="75000"/>
+                  </a:schemeClr>
+                </a:solidFill>
+              </a:rPr>
+              <a:t>||</a:t>
+            </a:r>
+            <a:r>
+              <a:rPr lang="ro-RO" dirty="0"/>
+              <a:t> </a:t>
+            </a:r>
+            <a:r>
+              <a:rPr lang="ro-RO" dirty="0" err="1"/>
+              <a:t>isTouching</a:t>
+            </a:r>
+            <a:r>
+              <a:rPr lang="ro-RO" dirty="0"/>
+              <a:t>(</a:t>
+            </a:r>
+            <a:r>
+              <a:rPr lang="ro-RO" dirty="0" err="1"/>
+              <a:t>Ambulance.class</a:t>
+            </a:r>
+            <a:r>
+              <a:rPr lang="ro-RO" dirty="0"/>
+              <a:t>))</a:t>
+            </a:r>
+          </a:p>
+          <a:p>
+            <a:pPr marL="0" indent="0">
+              <a:buNone/>
+            </a:pPr>
+            <a:r>
+              <a:rPr lang="ro-RO" dirty="0"/>
+              <a:t>        {</a:t>
+            </a:r>
+          </a:p>
+          <a:p>
+            <a:pPr marL="0" indent="0">
+              <a:buNone/>
+            </a:pPr>
+            <a:r>
+              <a:rPr lang="ro-RO" dirty="0"/>
+              <a:t>            </a:t>
+            </a:r>
+            <a:r>
+              <a:rPr lang="ro-RO" dirty="0" err="1">
+                <a:solidFill>
+                  <a:schemeClr val="accent5">
+                    <a:lumMod val="75000"/>
+                  </a:schemeClr>
+                </a:solidFill>
+              </a:rPr>
+              <a:t>int</a:t>
+            </a:r>
+            <a:r>
+              <a:rPr lang="ro-RO" dirty="0">
+                <a:solidFill>
+                  <a:schemeClr val="accent5">
+                    <a:lumMod val="75000"/>
+                  </a:schemeClr>
+                </a:solidFill>
+              </a:rPr>
+              <a:t> </a:t>
+            </a:r>
+            <a:r>
+              <a:rPr lang="ro-RO" dirty="0"/>
+              <a:t>x</a:t>
+            </a:r>
+            <a:r>
+              <a:rPr lang="ro-RO" dirty="0">
+                <a:solidFill>
+                  <a:schemeClr val="accent5">
+                    <a:lumMod val="75000"/>
+                  </a:schemeClr>
+                </a:solidFill>
+              </a:rPr>
+              <a:t>=</a:t>
+            </a:r>
+            <a:r>
+              <a:rPr lang="ro-RO" dirty="0" err="1"/>
+              <a:t>Greenfoot.getRandomNumber</a:t>
+            </a:r>
+            <a:r>
+              <a:rPr lang="ro-RO" dirty="0"/>
+              <a:t>(</a:t>
+            </a:r>
+            <a:r>
+              <a:rPr lang="ro-RO" dirty="0" err="1"/>
+              <a:t>getWorld</a:t>
+            </a:r>
+            <a:r>
+              <a:rPr lang="ro-RO" dirty="0"/>
+              <a:t>().</a:t>
+            </a:r>
+            <a:r>
+              <a:rPr lang="ro-RO" dirty="0" err="1"/>
+              <a:t>getWidth</a:t>
+            </a:r>
+            <a:r>
+              <a:rPr lang="ro-RO" dirty="0"/>
+              <a:t>()</a:t>
+            </a:r>
+            <a:r>
+              <a:rPr lang="ro-RO" dirty="0">
+                <a:solidFill>
+                  <a:schemeClr val="accent5">
+                    <a:lumMod val="75000"/>
+                  </a:schemeClr>
+                </a:solidFill>
+              </a:rPr>
+              <a:t>-</a:t>
+            </a:r>
+            <a:r>
+              <a:rPr lang="ro-RO" dirty="0">
+                <a:solidFill>
+                  <a:schemeClr val="tx2">
+                    <a:lumMod val="60000"/>
+                    <a:lumOff val="40000"/>
+                  </a:schemeClr>
+                </a:solidFill>
+              </a:rPr>
+              <a:t>10</a:t>
+            </a:r>
+            <a:r>
+              <a:rPr lang="ro-RO" dirty="0"/>
+              <a:t>);</a:t>
+            </a:r>
+          </a:p>
+          <a:p>
+            <a:pPr marL="0" indent="0">
+              <a:buNone/>
+            </a:pPr>
+            <a:r>
+              <a:rPr lang="ro-RO" dirty="0"/>
+              <a:t>            </a:t>
+            </a:r>
+            <a:r>
+              <a:rPr lang="ro-RO" dirty="0" err="1">
+                <a:solidFill>
+                  <a:schemeClr val="accent5">
+                    <a:lumMod val="75000"/>
+                  </a:schemeClr>
+                </a:solidFill>
+              </a:rPr>
+              <a:t>int</a:t>
+            </a:r>
+            <a:r>
+              <a:rPr lang="ro-RO" dirty="0">
+                <a:solidFill>
+                  <a:schemeClr val="accent5">
+                    <a:lumMod val="75000"/>
+                  </a:schemeClr>
+                </a:solidFill>
+              </a:rPr>
+              <a:t> </a:t>
+            </a:r>
+            <a:r>
+              <a:rPr lang="ro-RO" dirty="0"/>
+              <a:t>y</a:t>
+            </a:r>
+            <a:r>
+              <a:rPr lang="ro-RO" dirty="0">
+                <a:solidFill>
+                  <a:schemeClr val="accent5">
+                    <a:lumMod val="75000"/>
+                  </a:schemeClr>
+                </a:solidFill>
+              </a:rPr>
+              <a:t>=</a:t>
+            </a:r>
+            <a:r>
+              <a:rPr lang="ro-RO" dirty="0" err="1"/>
+              <a:t>Greenfoot.getRandomNumber</a:t>
+            </a:r>
+            <a:r>
+              <a:rPr lang="ro-RO" dirty="0"/>
+              <a:t>(</a:t>
+            </a:r>
+            <a:r>
+              <a:rPr lang="ro-RO" dirty="0" err="1"/>
+              <a:t>getWorld</a:t>
+            </a:r>
+            <a:r>
+              <a:rPr lang="ro-RO" dirty="0"/>
+              <a:t>().</a:t>
+            </a:r>
+            <a:r>
+              <a:rPr lang="ro-RO" dirty="0" err="1"/>
+              <a:t>getHeight</a:t>
+            </a:r>
+            <a:r>
+              <a:rPr lang="ro-RO" dirty="0" smtClean="0"/>
+              <a:t>()</a:t>
+            </a:r>
+            <a:r>
+              <a:rPr lang="ro-RO" dirty="0" smtClean="0">
+                <a:solidFill>
+                  <a:schemeClr val="accent5">
+                    <a:lumMod val="75000"/>
+                  </a:schemeClr>
+                </a:solidFill>
+              </a:rPr>
+              <a:t>-</a:t>
+            </a:r>
+            <a:r>
+              <a:rPr lang="ro-RO" dirty="0" smtClean="0">
+                <a:solidFill>
+                  <a:schemeClr val="tx2">
+                    <a:lumMod val="60000"/>
+                    <a:lumOff val="40000"/>
+                  </a:schemeClr>
+                </a:solidFill>
+              </a:rPr>
+              <a:t>10</a:t>
+            </a:r>
+            <a:r>
+              <a:rPr lang="ro-RO" dirty="0"/>
+              <a:t>);</a:t>
+            </a:r>
+          </a:p>
+          <a:p>
+            <a:pPr marL="0" indent="0">
+              <a:buNone/>
+            </a:pPr>
+            <a:r>
+              <a:rPr lang="ro-RO" dirty="0"/>
+              <a:t>            </a:t>
+            </a:r>
+            <a:r>
+              <a:rPr lang="ro-RO" dirty="0" err="1">
+                <a:solidFill>
+                  <a:schemeClr val="accent5">
+                    <a:lumMod val="75000"/>
+                  </a:schemeClr>
+                </a:solidFill>
+              </a:rPr>
+              <a:t>setLocation</a:t>
+            </a:r>
+            <a:r>
+              <a:rPr lang="ro-RO" dirty="0"/>
+              <a:t>(x, y);</a:t>
+            </a:r>
+          </a:p>
+          <a:p>
+            <a:pPr marL="0" indent="0">
+              <a:buNone/>
+            </a:pPr>
+            <a:r>
+              <a:rPr lang="ro-RO" dirty="0"/>
+              <a:t>        }</a:t>
+            </a:r>
+          </a:p>
+          <a:p>
+            <a:pPr marL="0" indent="0">
+              <a:buNone/>
+            </a:pPr>
+            <a:r>
+              <a:rPr lang="ro-RO" dirty="0"/>
+              <a:t>    </a:t>
+            </a:r>
+            <a:r>
+              <a:rPr lang="ro-RO" dirty="0" smtClean="0"/>
+              <a:t>}</a:t>
+            </a:r>
+          </a:p>
+          <a:p>
+            <a:pPr marL="0" indent="0">
+              <a:buNone/>
+            </a:pPr>
+            <a:endParaRPr lang="ro-RO" dirty="0"/>
+          </a:p>
+          <a:p>
+            <a:pPr marL="0" indent="0">
+              <a:buNone/>
+            </a:pPr>
+            <a:r>
+              <a:rPr lang="ro-RO" dirty="0" smtClean="0"/>
+              <a:t>Și </a:t>
+            </a:r>
+            <a:r>
+              <a:rPr lang="ro-RO" dirty="0"/>
+              <a:t>cam </a:t>
+            </a:r>
+            <a:r>
+              <a:rPr lang="ro-RO" dirty="0" smtClean="0"/>
+              <a:t>atât. Vă dorim o </a:t>
+            </a:r>
+            <a:r>
+              <a:rPr lang="ro-RO" dirty="0"/>
+              <a:t>zi </a:t>
+            </a:r>
+            <a:r>
+              <a:rPr lang="ro-RO" dirty="0" smtClean="0"/>
+              <a:t>cât </a:t>
+            </a:r>
+            <a:r>
+              <a:rPr lang="ro-RO" smtClean="0"/>
+              <a:t>mai plăcută!</a:t>
+            </a:r>
+            <a:endParaRPr lang="ro-RO" dirty="0"/>
           </a:p>
         </p:txBody>
       </p:sp>
@@ -6543,6 +7533,13 @@
   <p:transition spd="med">
     <p:pull/>
   </p:transition>
+  <p:timing>
+    <p:tnLst>
+      <p:par>
+        <p:cTn id="1" dur="indefinite" restart="never" nodeType="tmRoot"/>
+      </p:par>
+    </p:tnLst>
+  </p:timing>
 </p:sld>
 </file>
 
@@ -6589,7 +7586,7 @@
     </a:clrScheme>
     <a:fontScheme name="Fațetă">
       <a:majorFont>
-        <a:latin typeface="Trebuchet MS" panose="020B0603020202020204"/>
+        <a:latin typeface="Trebuchet MS"/>
         <a:ea typeface=""/>
         <a:cs typeface=""/>
         <a:font script="Jpan" typeface="メイリオ"/>
@@ -6624,7 +7621,7 @@
         <a:font script="Geor" typeface="Sylfaen"/>
       </a:majorFont>
       <a:minorFont>
-        <a:latin typeface="Trebuchet MS" panose="020B0603020202020204"/>
+        <a:latin typeface="Trebuchet MS"/>
         <a:ea typeface=""/>
         <a:cs typeface=""/>
         <a:font script="Jpan" typeface="メイリオ"/>
@@ -6797,7 +7794,7 @@
   <a:extraClrSchemeLst/>
   <a:extLst>
     <a:ext uri="{05A4C25C-085E-4340-85A3-A5531E510DB2}">
-      <thm15:themeFamily xmlns:thm15="http://schemas.microsoft.com/office/thememl/2012/main" name="Facet" id="{C0C680CD-088A-49FC-A102-D699147F32B2}" vid="{CFBC31BA-B70F-4F30-BCAA-4F3011E16C4D}"/>
+      <thm15:themeFamily xmlns:thm15="http://schemas.microsoft.com/office/thememl/2012/main" xmlns="" name="Facet" id="{C0C680CD-088A-49FC-A102-D699147F32B2}" vid="{CFBC31BA-B70F-4F30-BCAA-4F3011E16C4D}"/>
     </a:ext>
   </a:extLst>
 </a:theme>
